--- a/Credit Card Fraud Detection.pptx
+++ b/Credit Card Fraud Detection.pptx
@@ -5,32 +5,33 @@
     <p:sldMasterId id="2147483659" r:id="rId1"/>
   </p:sldMasterIdLst>
   <p:notesMasterIdLst>
-    <p:notesMasterId r:id="rId15"/>
+    <p:notesMasterId r:id="rId16"/>
   </p:notesMasterIdLst>
   <p:sldIdLst>
     <p:sldId id="256" r:id="rId2"/>
     <p:sldId id="257" r:id="rId3"/>
     <p:sldId id="258" r:id="rId4"/>
-    <p:sldId id="259" r:id="rId5"/>
-    <p:sldId id="260" r:id="rId6"/>
-    <p:sldId id="261" r:id="rId7"/>
-    <p:sldId id="262" r:id="rId8"/>
-    <p:sldId id="263" r:id="rId9"/>
-    <p:sldId id="264" r:id="rId10"/>
-    <p:sldId id="265" r:id="rId11"/>
-    <p:sldId id="266" r:id="rId12"/>
-    <p:sldId id="267" r:id="rId13"/>
-    <p:sldId id="268" r:id="rId14"/>
+    <p:sldId id="269" r:id="rId5"/>
+    <p:sldId id="259" r:id="rId6"/>
+    <p:sldId id="260" r:id="rId7"/>
+    <p:sldId id="261" r:id="rId8"/>
+    <p:sldId id="262" r:id="rId9"/>
+    <p:sldId id="263" r:id="rId10"/>
+    <p:sldId id="264" r:id="rId11"/>
+    <p:sldId id="265" r:id="rId12"/>
+    <p:sldId id="266" r:id="rId13"/>
+    <p:sldId id="267" r:id="rId14"/>
+    <p:sldId id="268" r:id="rId15"/>
   </p:sldIdLst>
   <p:sldSz cx="12192000" cy="6858000"/>
   <p:notesSz cx="6858000" cy="9144000"/>
   <p:embeddedFontLst>
     <p:embeddedFont>
       <p:font typeface="Urbanist" panose="020B0A04040200000203" pitchFamily="34" charset="77"/>
-      <p:regular r:id="rId16"/>
-      <p:bold r:id="rId17"/>
-      <p:italic r:id="rId18"/>
-      <p:boldItalic r:id="rId19"/>
+      <p:regular r:id="rId17"/>
+      <p:bold r:id="rId18"/>
+      <p:italic r:id="rId19"/>
+      <p:boldItalic r:id="rId20"/>
     </p:embeddedFont>
   </p:embeddedFontLst>
   <p:defaultTextStyle>
@@ -831,6 +832,110 @@
   <p:cSld>
     <p:spTree>
       <p:nvGrpSpPr>
+        <p:cNvPr id="1" name="Shape 229"/>
+        <p:cNvGrpSpPr/>
+        <p:nvPr/>
+      </p:nvGrpSpPr>
+      <p:grpSpPr>
+        <a:xfrm>
+          <a:off x="0" y="0"/>
+          <a:ext cx="0" cy="0"/>
+          <a:chOff x="0" y="0"/>
+          <a:chExt cx="0" cy="0"/>
+        </a:xfrm>
+      </p:grpSpPr>
+      <p:sp>
+        <p:nvSpPr>
+          <p:cNvPr id="230" name="Google Shape;230;p9:notes"/>
+          <p:cNvSpPr txBox="1">
+            <a:spLocks noGrp="1"/>
+          </p:cNvSpPr>
+          <p:nvPr>
+            <p:ph type="body" idx="1"/>
+          </p:nvPr>
+        </p:nvSpPr>
+        <p:spPr>
+          <a:xfrm>
+            <a:off x="685800" y="4343400"/>
+            <a:ext cx="5486400" cy="4114800"/>
+          </a:xfrm>
+          <a:prstGeom prst="rect">
+            <a:avLst/>
+          </a:prstGeom>
+        </p:spPr>
+        <p:txBody>
+          <a:bodyPr spcFirstLastPara="1" wrap="square" lIns="91425" tIns="91425" rIns="91425" bIns="91425" anchor="t" anchorCtr="0">
+            <a:noAutofit/>
+          </a:bodyPr>
+          <a:lstStyle/>
+          <a:p>
+            <a:pPr marL="0" lvl="0" indent="0" algn="l" rtl="0">
+              <a:spcBef>
+                <a:spcPts val="0"/>
+              </a:spcBef>
+              <a:spcAft>
+                <a:spcPts val="0"/>
+              </a:spcAft>
+              <a:buNone/>
+            </a:pPr>
+            <a:endParaRPr/>
+          </a:p>
+        </p:txBody>
+      </p:sp>
+      <p:sp>
+        <p:nvSpPr>
+          <p:cNvPr id="231" name="Google Shape;231;p9:notes"/>
+          <p:cNvSpPr>
+            <a:spLocks noGrp="1" noRot="1" noChangeAspect="1"/>
+          </p:cNvSpPr>
+          <p:nvPr>
+            <p:ph type="sldImg" idx="2"/>
+          </p:nvPr>
+        </p:nvSpPr>
+        <p:spPr>
+          <a:xfrm>
+            <a:off x="1143225" y="685800"/>
+            <a:ext cx="4572225" cy="3429000"/>
+          </a:xfrm>
+          <a:custGeom>
+            <a:avLst/>
+            <a:gdLst/>
+            <a:ahLst/>
+            <a:cxnLst/>
+            <a:rect l="l" t="t" r="r" b="b"/>
+            <a:pathLst>
+              <a:path w="120000" h="120000" extrusionOk="0">
+                <a:moveTo>
+                  <a:pt x="0" y="0"/>
+                </a:moveTo>
+                <a:lnTo>
+                  <a:pt x="120000" y="0"/>
+                </a:lnTo>
+                <a:lnTo>
+                  <a:pt x="120000" y="120000"/>
+                </a:lnTo>
+                <a:lnTo>
+                  <a:pt x="0" y="120000"/>
+                </a:lnTo>
+                <a:close/>
+              </a:path>
+            </a:pathLst>
+          </a:custGeom>
+        </p:spPr>
+      </p:sp>
+    </p:spTree>
+  </p:cSld>
+  <p:clrMapOvr>
+    <a:masterClrMapping/>
+  </p:clrMapOvr>
+</p:notes>
+</file>
+
+<file path=ppt/notesSlides/notesSlide11.xml><?xml version="1.0" encoding="utf-8"?>
+<p:notes xmlns:a="http://schemas.openxmlformats.org/drawingml/2006/main" xmlns:r="http://schemas.openxmlformats.org/officeDocument/2006/relationships" xmlns:p="http://schemas.openxmlformats.org/presentationml/2006/main" showMasterSp="0" showMasterPhAnim="0">
+  <p:cSld>
+    <p:spTree>
+      <p:nvGrpSpPr>
         <p:cNvPr id="1" name="Shape 238"/>
         <p:cNvGrpSpPr/>
         <p:nvPr/>
@@ -930,7 +1035,7 @@
 </p:notes>
 </file>
 
-<file path=ppt/notesSlides/notesSlide11.xml><?xml version="1.0" encoding="utf-8"?>
+<file path=ppt/notesSlides/notesSlide12.xml><?xml version="1.0" encoding="utf-8"?>
 <p:notes xmlns:a="http://schemas.openxmlformats.org/drawingml/2006/main" xmlns:r="http://schemas.openxmlformats.org/officeDocument/2006/relationships" xmlns:p="http://schemas.openxmlformats.org/presentationml/2006/main" showMasterSp="0" showMasterPhAnim="0">
   <p:cSld>
     <p:spTree>
@@ -1034,7 +1139,7 @@
 </p:notes>
 </file>
 
-<file path=ppt/notesSlides/notesSlide12.xml><?xml version="1.0" encoding="utf-8"?>
+<file path=ppt/notesSlides/notesSlide13.xml><?xml version="1.0" encoding="utf-8"?>
 <p:notes xmlns:a="http://schemas.openxmlformats.org/drawingml/2006/main" xmlns:r="http://schemas.openxmlformats.org/officeDocument/2006/relationships" xmlns:p="http://schemas.openxmlformats.org/presentationml/2006/main" showMasterSp="0" showMasterPhAnim="0">
   <p:cSld>
     <p:spTree>
@@ -1138,7 +1243,7 @@
 </p:notes>
 </file>
 
-<file path=ppt/notesSlides/notesSlide13.xml><?xml version="1.0" encoding="utf-8"?>
+<file path=ppt/notesSlides/notesSlide14.xml><?xml version="1.0" encoding="utf-8"?>
 <p:notes xmlns:a="http://schemas.openxmlformats.org/drawingml/2006/main" xmlns:r="http://schemas.openxmlformats.org/officeDocument/2006/relationships" xmlns:p="http://schemas.openxmlformats.org/presentationml/2006/main" showMasterSp="0" showMasterPhAnim="0">
   <p:cSld>
     <p:spTree>
@@ -1455,6 +1560,133 @@
   <p:cSld>
     <p:spTree>
       <p:nvGrpSpPr>
+        <p:cNvPr id="1" name="Shape 104">
+          <a:extLst>
+            <a:ext uri="{FF2B5EF4-FFF2-40B4-BE49-F238E27FC236}">
+              <a16:creationId xmlns:a16="http://schemas.microsoft.com/office/drawing/2014/main" id="{780E0094-8251-E148-1649-B827146E9E43}"/>
+            </a:ext>
+          </a:extLst>
+        </p:cNvPr>
+        <p:cNvGrpSpPr/>
+        <p:nvPr/>
+      </p:nvGrpSpPr>
+      <p:grpSpPr>
+        <a:xfrm>
+          <a:off x="0" y="0"/>
+          <a:ext cx="0" cy="0"/>
+          <a:chOff x="0" y="0"/>
+          <a:chExt cx="0" cy="0"/>
+        </a:xfrm>
+      </p:grpSpPr>
+      <p:sp>
+        <p:nvSpPr>
+          <p:cNvPr id="105" name="Google Shape;105;p3:notes">
+            <a:extLst>
+              <a:ext uri="{FF2B5EF4-FFF2-40B4-BE49-F238E27FC236}">
+                <a16:creationId xmlns:a16="http://schemas.microsoft.com/office/drawing/2014/main" id="{694821E0-4E68-F892-DF60-CAF78E5AA5EF}"/>
+              </a:ext>
+            </a:extLst>
+          </p:cNvPr>
+          <p:cNvSpPr txBox="1">
+            <a:spLocks noGrp="1"/>
+          </p:cNvSpPr>
+          <p:nvPr>
+            <p:ph type="body" idx="1"/>
+          </p:nvPr>
+        </p:nvSpPr>
+        <p:spPr>
+          <a:xfrm>
+            <a:off x="685800" y="4343400"/>
+            <a:ext cx="5486400" cy="4114800"/>
+          </a:xfrm>
+          <a:prstGeom prst="rect">
+            <a:avLst/>
+          </a:prstGeom>
+        </p:spPr>
+        <p:txBody>
+          <a:bodyPr spcFirstLastPara="1" wrap="square" lIns="91425" tIns="91425" rIns="91425" bIns="91425" anchor="t" anchorCtr="0">
+            <a:noAutofit/>
+          </a:bodyPr>
+          <a:lstStyle/>
+          <a:p>
+            <a:pPr marL="0" lvl="0" indent="0" algn="l" rtl="0">
+              <a:spcBef>
+                <a:spcPts val="0"/>
+              </a:spcBef>
+              <a:spcAft>
+                <a:spcPts val="0"/>
+              </a:spcAft>
+              <a:buNone/>
+            </a:pPr>
+            <a:endParaRPr/>
+          </a:p>
+        </p:txBody>
+      </p:sp>
+      <p:sp>
+        <p:nvSpPr>
+          <p:cNvPr id="106" name="Google Shape;106;p3:notes">
+            <a:extLst>
+              <a:ext uri="{FF2B5EF4-FFF2-40B4-BE49-F238E27FC236}">
+                <a16:creationId xmlns:a16="http://schemas.microsoft.com/office/drawing/2014/main" id="{5E294512-13A4-9EC8-5576-27E75D473FE7}"/>
+              </a:ext>
+            </a:extLst>
+          </p:cNvPr>
+          <p:cNvSpPr>
+            <a:spLocks noGrp="1" noRot="1" noChangeAspect="1"/>
+          </p:cNvSpPr>
+          <p:nvPr>
+            <p:ph type="sldImg" idx="2"/>
+          </p:nvPr>
+        </p:nvSpPr>
+        <p:spPr>
+          <a:xfrm>
+            <a:off x="381000" y="685800"/>
+            <a:ext cx="6096000" cy="3429000"/>
+          </a:xfrm>
+          <a:custGeom>
+            <a:avLst/>
+            <a:gdLst/>
+            <a:ahLst/>
+            <a:cxnLst/>
+            <a:rect l="l" t="t" r="r" b="b"/>
+            <a:pathLst>
+              <a:path w="120000" h="120000" extrusionOk="0">
+                <a:moveTo>
+                  <a:pt x="0" y="0"/>
+                </a:moveTo>
+                <a:lnTo>
+                  <a:pt x="120000" y="0"/>
+                </a:lnTo>
+                <a:lnTo>
+                  <a:pt x="120000" y="120000"/>
+                </a:lnTo>
+                <a:lnTo>
+                  <a:pt x="0" y="120000"/>
+                </a:lnTo>
+                <a:close/>
+              </a:path>
+            </a:pathLst>
+          </a:custGeom>
+        </p:spPr>
+      </p:sp>
+    </p:spTree>
+    <p:extLst>
+      <p:ext uri="{BB962C8B-B14F-4D97-AF65-F5344CB8AC3E}">
+        <p14:creationId xmlns:p14="http://schemas.microsoft.com/office/powerpoint/2010/main" val="3586398053"/>
+      </p:ext>
+    </p:extLst>
+  </p:cSld>
+  <p:clrMapOvr>
+    <a:masterClrMapping/>
+  </p:clrMapOvr>
+</p:notes>
+</file>
+
+<file path=ppt/notesSlides/notesSlide5.xml><?xml version="1.0" encoding="utf-8"?>
+<p:notes xmlns:a="http://schemas.openxmlformats.org/drawingml/2006/main" xmlns:r="http://schemas.openxmlformats.org/officeDocument/2006/relationships" xmlns:p="http://schemas.openxmlformats.org/presentationml/2006/main" showMasterSp="0" showMasterPhAnim="0">
+  <p:cSld>
+    <p:spTree>
+      <p:nvGrpSpPr>
         <p:cNvPr id="1" name="Shape 136"/>
         <p:cNvGrpSpPr/>
         <p:nvPr/>
@@ -1554,7 +1786,7 @@
 </p:notes>
 </file>
 
-<file path=ppt/notesSlides/notesSlide5.xml><?xml version="1.0" encoding="utf-8"?>
+<file path=ppt/notesSlides/notesSlide6.xml><?xml version="1.0" encoding="utf-8"?>
 <p:notes xmlns:a="http://schemas.openxmlformats.org/drawingml/2006/main" xmlns:r="http://schemas.openxmlformats.org/officeDocument/2006/relationships" xmlns:p="http://schemas.openxmlformats.org/presentationml/2006/main" showMasterSp="0" showMasterPhAnim="0">
   <p:cSld>
     <p:spTree>
@@ -1658,7 +1890,7 @@
 </p:notes>
 </file>
 
-<file path=ppt/notesSlides/notesSlide6.xml><?xml version="1.0" encoding="utf-8"?>
+<file path=ppt/notesSlides/notesSlide7.xml><?xml version="1.0" encoding="utf-8"?>
 <p:notes xmlns:a="http://schemas.openxmlformats.org/drawingml/2006/main" xmlns:r="http://schemas.openxmlformats.org/officeDocument/2006/relationships" xmlns:p="http://schemas.openxmlformats.org/presentationml/2006/main" showMasterSp="0" showMasterPhAnim="0">
   <p:cSld>
     <p:spTree>
@@ -1762,7 +1994,7 @@
 </p:notes>
 </file>
 
-<file path=ppt/notesSlides/notesSlide7.xml><?xml version="1.0" encoding="utf-8"?>
+<file path=ppt/notesSlides/notesSlide8.xml><?xml version="1.0" encoding="utf-8"?>
 <p:notes xmlns:a="http://schemas.openxmlformats.org/drawingml/2006/main" xmlns:r="http://schemas.openxmlformats.org/officeDocument/2006/relationships" xmlns:p="http://schemas.openxmlformats.org/presentationml/2006/main" showMasterSp="0" showMasterPhAnim="0">
   <p:cSld>
     <p:spTree>
@@ -1866,7 +2098,7 @@
 </p:notes>
 </file>
 
-<file path=ppt/notesSlides/notesSlide8.xml><?xml version="1.0" encoding="utf-8"?>
+<file path=ppt/notesSlides/notesSlide9.xml><?xml version="1.0" encoding="utf-8"?>
 <p:notes xmlns:a="http://schemas.openxmlformats.org/drawingml/2006/main" xmlns:r="http://schemas.openxmlformats.org/officeDocument/2006/relationships" xmlns:p="http://schemas.openxmlformats.org/presentationml/2006/main" showMasterSp="0" showMasterPhAnim="0">
   <p:cSld>
     <p:spTree>
@@ -1935,110 +2167,6 @@
           <a:xfrm>
             <a:off x="381000" y="685800"/>
             <a:ext cx="6096000" cy="3429000"/>
-          </a:xfrm>
-          <a:custGeom>
-            <a:avLst/>
-            <a:gdLst/>
-            <a:ahLst/>
-            <a:cxnLst/>
-            <a:rect l="l" t="t" r="r" b="b"/>
-            <a:pathLst>
-              <a:path w="120000" h="120000" extrusionOk="0">
-                <a:moveTo>
-                  <a:pt x="0" y="0"/>
-                </a:moveTo>
-                <a:lnTo>
-                  <a:pt x="120000" y="0"/>
-                </a:lnTo>
-                <a:lnTo>
-                  <a:pt x="120000" y="120000"/>
-                </a:lnTo>
-                <a:lnTo>
-                  <a:pt x="0" y="120000"/>
-                </a:lnTo>
-                <a:close/>
-              </a:path>
-            </a:pathLst>
-          </a:custGeom>
-        </p:spPr>
-      </p:sp>
-    </p:spTree>
-  </p:cSld>
-  <p:clrMapOvr>
-    <a:masterClrMapping/>
-  </p:clrMapOvr>
-</p:notes>
-</file>
-
-<file path=ppt/notesSlides/notesSlide9.xml><?xml version="1.0" encoding="utf-8"?>
-<p:notes xmlns:a="http://schemas.openxmlformats.org/drawingml/2006/main" xmlns:r="http://schemas.openxmlformats.org/officeDocument/2006/relationships" xmlns:p="http://schemas.openxmlformats.org/presentationml/2006/main" showMasterSp="0" showMasterPhAnim="0">
-  <p:cSld>
-    <p:spTree>
-      <p:nvGrpSpPr>
-        <p:cNvPr id="1" name="Shape 229"/>
-        <p:cNvGrpSpPr/>
-        <p:nvPr/>
-      </p:nvGrpSpPr>
-      <p:grpSpPr>
-        <a:xfrm>
-          <a:off x="0" y="0"/>
-          <a:ext cx="0" cy="0"/>
-          <a:chOff x="0" y="0"/>
-          <a:chExt cx="0" cy="0"/>
-        </a:xfrm>
-      </p:grpSpPr>
-      <p:sp>
-        <p:nvSpPr>
-          <p:cNvPr id="230" name="Google Shape;230;p9:notes"/>
-          <p:cNvSpPr txBox="1">
-            <a:spLocks noGrp="1"/>
-          </p:cNvSpPr>
-          <p:nvPr>
-            <p:ph type="body" idx="1"/>
-          </p:nvPr>
-        </p:nvSpPr>
-        <p:spPr>
-          <a:xfrm>
-            <a:off x="685800" y="4343400"/>
-            <a:ext cx="5486400" cy="4114800"/>
-          </a:xfrm>
-          <a:prstGeom prst="rect">
-            <a:avLst/>
-          </a:prstGeom>
-        </p:spPr>
-        <p:txBody>
-          <a:bodyPr spcFirstLastPara="1" wrap="square" lIns="91425" tIns="91425" rIns="91425" bIns="91425" anchor="t" anchorCtr="0">
-            <a:noAutofit/>
-          </a:bodyPr>
-          <a:lstStyle/>
-          <a:p>
-            <a:pPr marL="0" lvl="0" indent="0" algn="l" rtl="0">
-              <a:spcBef>
-                <a:spcPts val="0"/>
-              </a:spcBef>
-              <a:spcAft>
-                <a:spcPts val="0"/>
-              </a:spcAft>
-              <a:buNone/>
-            </a:pPr>
-            <a:endParaRPr/>
-          </a:p>
-        </p:txBody>
-      </p:sp>
-      <p:sp>
-        <p:nvSpPr>
-          <p:cNvPr id="231" name="Google Shape;231;p9:notes"/>
-          <p:cNvSpPr>
-            <a:spLocks noGrp="1" noRot="1" noChangeAspect="1"/>
-          </p:cNvSpPr>
-          <p:nvPr>
-            <p:ph type="sldImg" idx="2"/>
-          </p:nvPr>
-        </p:nvSpPr>
-        <p:spPr>
-          <a:xfrm>
-            <a:off x="1143225" y="685800"/>
-            <a:ext cx="4572225" cy="3429000"/>
           </a:xfrm>
           <a:custGeom>
             <a:avLst/>
@@ -12207,6 +12335,244 @@
     </p:bg>
     <p:spTree>
       <p:nvGrpSpPr>
+        <p:cNvPr id="1" name="Shape 232"/>
+        <p:cNvGrpSpPr/>
+        <p:nvPr/>
+      </p:nvGrpSpPr>
+      <p:grpSpPr>
+        <a:xfrm>
+          <a:off x="0" y="0"/>
+          <a:ext cx="0" cy="0"/>
+          <a:chOff x="0" y="0"/>
+          <a:chExt cx="0" cy="0"/>
+        </a:xfrm>
+      </p:grpSpPr>
+      <p:pic>
+        <p:nvPicPr>
+          <p:cNvPr id="233" name="Google Shape;233;p21" descr="image.png"/>
+          <p:cNvPicPr preferRelativeResize="0"/>
+          <p:nvPr/>
+        </p:nvPicPr>
+        <p:blipFill rotWithShape="1">
+          <a:blip r:embed="rId3">
+            <a:alphaModFix/>
+          </a:blip>
+          <a:srcRect/>
+          <a:stretch/>
+        </p:blipFill>
+        <p:spPr>
+          <a:xfrm>
+            <a:off x="0" y="0"/>
+            <a:ext cx="12192000" cy="6858000"/>
+          </a:xfrm>
+          <a:prstGeom prst="rect">
+            <a:avLst/>
+          </a:prstGeom>
+          <a:noFill/>
+          <a:ln>
+            <a:noFill/>
+          </a:ln>
+        </p:spPr>
+      </p:pic>
+      <p:pic>
+        <p:nvPicPr>
+          <p:cNvPr id="234" name="Google Shape;234;p21" descr="image.png"/>
+          <p:cNvPicPr preferRelativeResize="0"/>
+          <p:nvPr/>
+        </p:nvPicPr>
+        <p:blipFill rotWithShape="1">
+          <a:blip r:embed="rId4">
+            <a:alphaModFix/>
+          </a:blip>
+          <a:srcRect/>
+          <a:stretch/>
+        </p:blipFill>
+        <p:spPr>
+          <a:xfrm>
+            <a:off x="581025" y="1514475"/>
+            <a:ext cx="11029950" cy="4762500"/>
+          </a:xfrm>
+          <a:prstGeom prst="rect">
+            <a:avLst/>
+          </a:prstGeom>
+          <a:noFill/>
+          <a:ln>
+            <a:noFill/>
+          </a:ln>
+        </p:spPr>
+      </p:pic>
+      <p:sp>
+        <p:nvSpPr>
+          <p:cNvPr id="235" name="Google Shape;235;p21"/>
+          <p:cNvSpPr txBox="1"/>
+          <p:nvPr/>
+        </p:nvSpPr>
+        <p:spPr>
+          <a:xfrm>
+            <a:off x="581025" y="2528887"/>
+            <a:ext cx="11029950" cy="304800"/>
+          </a:xfrm>
+          <a:prstGeom prst="rect">
+            <a:avLst/>
+          </a:prstGeom>
+          <a:noFill/>
+          <a:ln>
+            <a:noFill/>
+          </a:ln>
+        </p:spPr>
+        <p:txBody>
+          <a:bodyPr spcFirstLastPara="1" wrap="square" lIns="0" tIns="0" rIns="0" bIns="0" anchor="t" anchorCtr="0">
+            <a:spAutoFit/>
+          </a:bodyPr>
+          <a:lstStyle/>
+          <a:p>
+            <a:pPr marL="0" marR="0" lvl="0" indent="0" algn="ctr" rtl="0">
+              <a:lnSpc>
+                <a:spcPct val="160000"/>
+              </a:lnSpc>
+              <a:spcBef>
+                <a:spcPts val="0"/>
+              </a:spcBef>
+              <a:spcAft>
+                <a:spcPts val="0"/>
+              </a:spcAft>
+              <a:buNone/>
+            </a:pPr>
+            <a:r>
+              <a:rPr lang="en-US" sz="1500" b="0" i="0" u="none" strike="noStrike" cap="none">
+                <a:solidFill>
+                  <a:srgbClr val="CCCCCC"/>
+                </a:solidFill>
+                <a:latin typeface="Urbanist"/>
+                <a:ea typeface="Urbanist"/>
+                <a:cs typeface="Urbanist"/>
+                <a:sym typeface="Urbanist"/>
+              </a:rPr>
+              <a:t>Area Under the Curve (AUC) measures the ability of the classifier to distinguish between classes.</a:t>
+            </a:r>
+            <a:endParaRPr/>
+          </a:p>
+        </p:txBody>
+      </p:sp>
+      <p:sp>
+        <p:nvSpPr>
+          <p:cNvPr id="236" name="Google Shape;236;p21"/>
+          <p:cNvSpPr txBox="1"/>
+          <p:nvPr/>
+        </p:nvSpPr>
+        <p:spPr>
+          <a:xfrm>
+            <a:off x="771525" y="581025"/>
+            <a:ext cx="11381422" cy="552450"/>
+          </a:xfrm>
+          <a:prstGeom prst="rect">
+            <a:avLst/>
+          </a:prstGeom>
+          <a:noFill/>
+          <a:ln>
+            <a:noFill/>
+          </a:ln>
+        </p:spPr>
+        <p:txBody>
+          <a:bodyPr spcFirstLastPara="1" wrap="square" lIns="0" tIns="0" rIns="0" bIns="0" anchor="t" anchorCtr="0">
+            <a:spAutoFit/>
+          </a:bodyPr>
+          <a:lstStyle/>
+          <a:p>
+            <a:pPr marL="0" marR="0" lvl="0" indent="0" algn="l" rtl="0">
+              <a:spcBef>
+                <a:spcPts val="0"/>
+              </a:spcBef>
+              <a:spcAft>
+                <a:spcPts val="0"/>
+              </a:spcAft>
+              <a:buNone/>
+            </a:pPr>
+            <a:r>
+              <a:rPr lang="en-US" sz="3600" b="1" i="0" u="none" strike="noStrike" cap="none">
+                <a:solidFill>
+                  <a:srgbClr val="FFFFFF"/>
+                </a:solidFill>
+                <a:latin typeface="Urbanist"/>
+                <a:ea typeface="Urbanist"/>
+                <a:cs typeface="Urbanist"/>
+                <a:sym typeface="Urbanist"/>
+              </a:rPr>
+              <a:t>The Showdown: AUC Scores</a:t>
+            </a:r>
+            <a:endParaRPr/>
+          </a:p>
+        </p:txBody>
+      </p:sp>
+      <p:sp>
+        <p:nvSpPr>
+          <p:cNvPr id="237" name="Google Shape;237;p21"/>
+          <p:cNvSpPr/>
+          <p:nvPr/>
+        </p:nvSpPr>
+        <p:spPr>
+          <a:xfrm>
+            <a:off x="581025" y="581025"/>
+            <a:ext cx="47625" cy="552450"/>
+          </a:xfrm>
+          <a:prstGeom prst="rect">
+            <a:avLst/>
+          </a:prstGeom>
+          <a:solidFill>
+            <a:srgbClr val="DEFF9A"/>
+          </a:solidFill>
+          <a:ln>
+            <a:noFill/>
+          </a:ln>
+        </p:spPr>
+        <p:txBody>
+          <a:bodyPr spcFirstLastPara="1" wrap="square" lIns="91425" tIns="45700" rIns="91425" bIns="45700" anchor="ctr" anchorCtr="0">
+            <a:noAutofit/>
+          </a:bodyPr>
+          <a:lstStyle/>
+          <a:p>
+            <a:pPr marL="0" marR="0" lvl="0" indent="0" algn="ctr" rtl="0">
+              <a:spcBef>
+                <a:spcPts val="0"/>
+              </a:spcBef>
+              <a:spcAft>
+                <a:spcPts val="0"/>
+              </a:spcAft>
+              <a:buNone/>
+            </a:pPr>
+            <a:endParaRPr sz="1800" b="0" i="0" u="none" strike="noStrike" cap="none">
+              <a:solidFill>
+                <a:schemeClr val="dk1"/>
+              </a:solidFill>
+              <a:latin typeface="Calibri"/>
+              <a:ea typeface="Calibri"/>
+              <a:cs typeface="Calibri"/>
+              <a:sym typeface="Calibri"/>
+            </a:endParaRPr>
+          </a:p>
+        </p:txBody>
+      </p:sp>
+    </p:spTree>
+  </p:cSld>
+  <p:clrMapOvr>
+    <a:masterClrMapping/>
+  </p:clrMapOvr>
+</p:sld>
+</file>
+
+<file path=ppt/slides/slide11.xml><?xml version="1.0" encoding="utf-8"?>
+<p:sld xmlns:a="http://schemas.openxmlformats.org/drawingml/2006/main" xmlns:r="http://schemas.openxmlformats.org/officeDocument/2006/relationships" xmlns:p="http://schemas.openxmlformats.org/presentationml/2006/main">
+  <p:cSld>
+    <p:bg>
+      <p:bgPr>
+        <a:solidFill>
+          <a:srgbClr val="000000"/>
+        </a:solidFill>
+        <a:effectLst/>
+      </p:bgPr>
+    </p:bg>
+    <p:spTree>
+      <p:nvGrpSpPr>
         <p:cNvPr id="1" name="Shape 241"/>
         <p:cNvGrpSpPr/>
         <p:nvPr/>
@@ -12823,7 +13189,7 @@
 </p:sld>
 </file>
 
-<file path=ppt/slides/slide11.xml><?xml version="1.0" encoding="utf-8"?>
+<file path=ppt/slides/slide12.xml><?xml version="1.0" encoding="utf-8"?>
 <p:sld xmlns:a="http://schemas.openxmlformats.org/drawingml/2006/main" xmlns:r="http://schemas.openxmlformats.org/officeDocument/2006/relationships" xmlns:p="http://schemas.openxmlformats.org/presentationml/2006/main">
   <p:cSld>
     <p:spTree>
@@ -13058,7 +13424,7 @@
 </p:sld>
 </file>
 
-<file path=ppt/slides/slide12.xml><?xml version="1.0" encoding="utf-8"?>
+<file path=ppt/slides/slide13.xml><?xml version="1.0" encoding="utf-8"?>
 <p:sld xmlns:a="http://schemas.openxmlformats.org/drawingml/2006/main" xmlns:r="http://schemas.openxmlformats.org/officeDocument/2006/relationships" xmlns:p="http://schemas.openxmlformats.org/presentationml/2006/main">
   <p:cSld>
     <p:bg>
@@ -13221,7 +13587,7 @@
 </p:sld>
 </file>
 
-<file path=ppt/slides/slide13.xml><?xml version="1.0" encoding="utf-8"?>
+<file path=ppt/slides/slide14.xml><?xml version="1.0" encoding="utf-8"?>
 <p:sld xmlns:a="http://schemas.openxmlformats.org/drawingml/2006/main" xmlns:r="http://schemas.openxmlformats.org/officeDocument/2006/relationships" xmlns:p="http://schemas.openxmlformats.org/presentationml/2006/main">
   <p:cSld>
     <p:bg>
@@ -16092,6 +16458,220 @@
     </p:bg>
     <p:spTree>
       <p:nvGrpSpPr>
+        <p:cNvPr id="1" name="Shape 107">
+          <a:extLst>
+            <a:ext uri="{FF2B5EF4-FFF2-40B4-BE49-F238E27FC236}">
+              <a16:creationId xmlns:a16="http://schemas.microsoft.com/office/drawing/2014/main" id="{0DBF74E4-063A-0D61-EB90-51F6ED454EC1}"/>
+            </a:ext>
+          </a:extLst>
+        </p:cNvPr>
+        <p:cNvGrpSpPr/>
+        <p:nvPr/>
+      </p:nvGrpSpPr>
+      <p:grpSpPr>
+        <a:xfrm>
+          <a:off x="0" y="0"/>
+          <a:ext cx="0" cy="0"/>
+          <a:chOff x="0" y="0"/>
+          <a:chExt cx="0" cy="0"/>
+        </a:xfrm>
+      </p:grpSpPr>
+      <p:sp>
+        <p:nvSpPr>
+          <p:cNvPr id="134" name="Google Shape;134;p15">
+            <a:extLst>
+              <a:ext uri="{FF2B5EF4-FFF2-40B4-BE49-F238E27FC236}">
+                <a16:creationId xmlns:a16="http://schemas.microsoft.com/office/drawing/2014/main" id="{977EAF42-692E-D31B-14D8-A8695D650930}"/>
+              </a:ext>
+            </a:extLst>
+          </p:cNvPr>
+          <p:cNvSpPr txBox="1"/>
+          <p:nvPr/>
+        </p:nvSpPr>
+        <p:spPr>
+          <a:xfrm>
+            <a:off x="771525" y="581025"/>
+            <a:ext cx="11381422" cy="552450"/>
+          </a:xfrm>
+          <a:prstGeom prst="rect">
+            <a:avLst/>
+          </a:prstGeom>
+          <a:noFill/>
+          <a:ln>
+            <a:noFill/>
+          </a:ln>
+        </p:spPr>
+        <p:txBody>
+          <a:bodyPr spcFirstLastPara="1" wrap="square" lIns="0" tIns="0" rIns="0" bIns="0" anchor="t" anchorCtr="0">
+            <a:spAutoFit/>
+          </a:bodyPr>
+          <a:lstStyle/>
+          <a:p>
+            <a:pPr marL="0" marR="0" lvl="0" indent="0" algn="l" rtl="0">
+              <a:spcBef>
+                <a:spcPts val="0"/>
+              </a:spcBef>
+              <a:spcAft>
+                <a:spcPts val="0"/>
+              </a:spcAft>
+              <a:buNone/>
+            </a:pPr>
+            <a:r>
+              <a:rPr lang="en-US" sz="3600" b="1" i="0" u="none" strike="noStrike" cap="none" dirty="0">
+                <a:solidFill>
+                  <a:srgbClr val="FFFFFF"/>
+                </a:solidFill>
+                <a:latin typeface="Urbanist"/>
+                <a:ea typeface="Urbanist"/>
+                <a:cs typeface="Urbanist"/>
+                <a:sym typeface="Urbanist"/>
+              </a:rPr>
+              <a:t>EDA</a:t>
+            </a:r>
+            <a:endParaRPr dirty="0"/>
+          </a:p>
+        </p:txBody>
+      </p:sp>
+      <p:sp>
+        <p:nvSpPr>
+          <p:cNvPr id="135" name="Google Shape;135;p15">
+            <a:extLst>
+              <a:ext uri="{FF2B5EF4-FFF2-40B4-BE49-F238E27FC236}">
+                <a16:creationId xmlns:a16="http://schemas.microsoft.com/office/drawing/2014/main" id="{0B1C156D-B16C-CA2E-0C6C-341BF72FB744}"/>
+              </a:ext>
+            </a:extLst>
+          </p:cNvPr>
+          <p:cNvSpPr/>
+          <p:nvPr/>
+        </p:nvSpPr>
+        <p:spPr>
+          <a:xfrm>
+            <a:off x="581025" y="581025"/>
+            <a:ext cx="47625" cy="552450"/>
+          </a:xfrm>
+          <a:prstGeom prst="rect">
+            <a:avLst/>
+          </a:prstGeom>
+          <a:solidFill>
+            <a:srgbClr val="DEFF9A"/>
+          </a:solidFill>
+          <a:ln>
+            <a:noFill/>
+          </a:ln>
+        </p:spPr>
+        <p:txBody>
+          <a:bodyPr spcFirstLastPara="1" wrap="square" lIns="91425" tIns="45700" rIns="91425" bIns="45700" anchor="ctr" anchorCtr="0">
+            <a:noAutofit/>
+          </a:bodyPr>
+          <a:lstStyle/>
+          <a:p>
+            <a:pPr marL="0" marR="0" lvl="0" indent="0" algn="ctr" rtl="0">
+              <a:spcBef>
+                <a:spcPts val="0"/>
+              </a:spcBef>
+              <a:spcAft>
+                <a:spcPts val="0"/>
+              </a:spcAft>
+              <a:buNone/>
+            </a:pPr>
+            <a:endParaRPr sz="1800" b="0" i="0" u="none" strike="noStrike" cap="none">
+              <a:solidFill>
+                <a:schemeClr val="dk1"/>
+              </a:solidFill>
+              <a:latin typeface="Calibri"/>
+              <a:ea typeface="Calibri"/>
+              <a:cs typeface="Calibri"/>
+              <a:sym typeface="Calibri"/>
+            </a:endParaRPr>
+          </a:p>
+        </p:txBody>
+      </p:sp>
+      <p:pic>
+        <p:nvPicPr>
+          <p:cNvPr id="5" name="Picture 4" descr="A diagram of a distribution of a product&#10;&#10;AI-generated content may be incorrect.">
+            <a:extLst>
+              <a:ext uri="{FF2B5EF4-FFF2-40B4-BE49-F238E27FC236}">
+                <a16:creationId xmlns:a16="http://schemas.microsoft.com/office/drawing/2014/main" id="{029FDE83-E99C-0487-FE91-E9382F960F83}"/>
+              </a:ext>
+            </a:extLst>
+          </p:cNvPr>
+          <p:cNvPicPr>
+            <a:picLocks noChangeAspect="1"/>
+          </p:cNvPicPr>
+          <p:nvPr/>
+        </p:nvPicPr>
+        <p:blipFill>
+          <a:blip r:embed="rId3"/>
+          <a:stretch>
+            <a:fillRect/>
+          </a:stretch>
+        </p:blipFill>
+        <p:spPr>
+          <a:xfrm>
+            <a:off x="5869717" y="1626507"/>
+            <a:ext cx="6070160" cy="3604986"/>
+          </a:xfrm>
+          <a:prstGeom prst="rect">
+            <a:avLst/>
+          </a:prstGeom>
+        </p:spPr>
+      </p:pic>
+      <p:pic>
+        <p:nvPicPr>
+          <p:cNvPr id="7" name="Picture 6" descr="A graph of a number of blue and yellow bars&#10;&#10;AI-generated content may be incorrect.">
+            <a:extLst>
+              <a:ext uri="{FF2B5EF4-FFF2-40B4-BE49-F238E27FC236}">
+                <a16:creationId xmlns:a16="http://schemas.microsoft.com/office/drawing/2014/main" id="{96D02D58-BBC8-A0FE-A90F-8E4A741BFEF2}"/>
+              </a:ext>
+            </a:extLst>
+          </p:cNvPr>
+          <p:cNvPicPr>
+            <a:picLocks noChangeAspect="1"/>
+          </p:cNvPicPr>
+          <p:nvPr/>
+        </p:nvPicPr>
+        <p:blipFill>
+          <a:blip r:embed="rId4"/>
+          <a:stretch>
+            <a:fillRect/>
+          </a:stretch>
+        </p:blipFill>
+        <p:spPr>
+          <a:xfrm>
+            <a:off x="114461" y="1675934"/>
+            <a:ext cx="5643388" cy="3506132"/>
+          </a:xfrm>
+          <a:prstGeom prst="rect">
+            <a:avLst/>
+          </a:prstGeom>
+        </p:spPr>
+      </p:pic>
+    </p:spTree>
+    <p:extLst>
+      <p:ext uri="{BB962C8B-B14F-4D97-AF65-F5344CB8AC3E}">
+        <p14:creationId xmlns:p14="http://schemas.microsoft.com/office/powerpoint/2010/main" val="3494163624"/>
+      </p:ext>
+    </p:extLst>
+  </p:cSld>
+  <p:clrMapOvr>
+    <a:masterClrMapping/>
+  </p:clrMapOvr>
+</p:sld>
+</file>
+
+<file path=ppt/slides/slide5.xml><?xml version="1.0" encoding="utf-8"?>
+<p:sld xmlns:a="http://schemas.openxmlformats.org/drawingml/2006/main" xmlns:r="http://schemas.openxmlformats.org/officeDocument/2006/relationships" xmlns:p="http://schemas.openxmlformats.org/presentationml/2006/main">
+  <p:cSld>
+    <p:bg>
+      <p:bgPr>
+        <a:solidFill>
+          <a:srgbClr val="000000"/>
+        </a:solidFill>
+        <a:effectLst/>
+      </p:bgPr>
+    </p:bg>
+    <p:spTree>
+      <p:nvGrpSpPr>
         <p:cNvPr id="1" name="Shape 139"/>
         <p:cNvGrpSpPr/>
         <p:nvPr/>
@@ -16629,7 +17209,7 @@
 </p:sld>
 </file>
 
-<file path=ppt/slides/slide5.xml><?xml version="1.0" encoding="utf-8"?>
+<file path=ppt/slides/slide6.xml><?xml version="1.0" encoding="utf-8"?>
 <p:sld xmlns:a="http://schemas.openxmlformats.org/drawingml/2006/main" xmlns:r="http://schemas.openxmlformats.org/officeDocument/2006/relationships" xmlns:p="http://schemas.openxmlformats.org/presentationml/2006/main">
   <p:cSld>
     <p:bg>
@@ -17340,7 +17920,7 @@
 </p:sld>
 </file>
 
-<file path=ppt/slides/slide6.xml><?xml version="1.0" encoding="utf-8"?>
+<file path=ppt/slides/slide7.xml><?xml version="1.0" encoding="utf-8"?>
 <p:sld xmlns:a="http://schemas.openxmlformats.org/drawingml/2006/main" xmlns:r="http://schemas.openxmlformats.org/officeDocument/2006/relationships" xmlns:p="http://schemas.openxmlformats.org/presentationml/2006/main">
   <p:cSld>
     <p:bg>
@@ -19851,7 +20431,7 @@
 </p:sld>
 </file>
 
-<file path=ppt/slides/slide7.xml><?xml version="1.0" encoding="utf-8"?>
+<file path=ppt/slides/slide8.xml><?xml version="1.0" encoding="utf-8"?>
 <p:sld xmlns:a="http://schemas.openxmlformats.org/drawingml/2006/main" xmlns:r="http://schemas.openxmlformats.org/officeDocument/2006/relationships" xmlns:p="http://schemas.openxmlformats.org/presentationml/2006/main">
   <p:cSld>
     <p:bg>
@@ -20376,7 +20956,7 @@
 </p:sld>
 </file>
 
-<file path=ppt/slides/slide8.xml><?xml version="1.0" encoding="utf-8"?>
+<file path=ppt/slides/slide9.xml><?xml version="1.0" encoding="utf-8"?>
 <p:sld xmlns:a="http://schemas.openxmlformats.org/drawingml/2006/main" xmlns:r="http://schemas.openxmlformats.org/officeDocument/2006/relationships" xmlns:p="http://schemas.openxmlformats.org/presentationml/2006/main">
   <p:cSld>
     <p:bg>
@@ -20970,244 +21550,6 @@
           </a:prstGeom>
         </p:spPr>
       </p:pic>
-    </p:spTree>
-  </p:cSld>
-  <p:clrMapOvr>
-    <a:masterClrMapping/>
-  </p:clrMapOvr>
-</p:sld>
-</file>
-
-<file path=ppt/slides/slide9.xml><?xml version="1.0" encoding="utf-8"?>
-<p:sld xmlns:a="http://schemas.openxmlformats.org/drawingml/2006/main" xmlns:r="http://schemas.openxmlformats.org/officeDocument/2006/relationships" xmlns:p="http://schemas.openxmlformats.org/presentationml/2006/main">
-  <p:cSld>
-    <p:bg>
-      <p:bgPr>
-        <a:solidFill>
-          <a:srgbClr val="000000"/>
-        </a:solidFill>
-        <a:effectLst/>
-      </p:bgPr>
-    </p:bg>
-    <p:spTree>
-      <p:nvGrpSpPr>
-        <p:cNvPr id="1" name="Shape 232"/>
-        <p:cNvGrpSpPr/>
-        <p:nvPr/>
-      </p:nvGrpSpPr>
-      <p:grpSpPr>
-        <a:xfrm>
-          <a:off x="0" y="0"/>
-          <a:ext cx="0" cy="0"/>
-          <a:chOff x="0" y="0"/>
-          <a:chExt cx="0" cy="0"/>
-        </a:xfrm>
-      </p:grpSpPr>
-      <p:pic>
-        <p:nvPicPr>
-          <p:cNvPr id="233" name="Google Shape;233;p21" descr="image.png"/>
-          <p:cNvPicPr preferRelativeResize="0"/>
-          <p:nvPr/>
-        </p:nvPicPr>
-        <p:blipFill rotWithShape="1">
-          <a:blip r:embed="rId3">
-            <a:alphaModFix/>
-          </a:blip>
-          <a:srcRect/>
-          <a:stretch/>
-        </p:blipFill>
-        <p:spPr>
-          <a:xfrm>
-            <a:off x="0" y="0"/>
-            <a:ext cx="12192000" cy="6858000"/>
-          </a:xfrm>
-          <a:prstGeom prst="rect">
-            <a:avLst/>
-          </a:prstGeom>
-          <a:noFill/>
-          <a:ln>
-            <a:noFill/>
-          </a:ln>
-        </p:spPr>
-      </p:pic>
-      <p:pic>
-        <p:nvPicPr>
-          <p:cNvPr id="234" name="Google Shape;234;p21" descr="image.png"/>
-          <p:cNvPicPr preferRelativeResize="0"/>
-          <p:nvPr/>
-        </p:nvPicPr>
-        <p:blipFill rotWithShape="1">
-          <a:blip r:embed="rId4">
-            <a:alphaModFix/>
-          </a:blip>
-          <a:srcRect/>
-          <a:stretch/>
-        </p:blipFill>
-        <p:spPr>
-          <a:xfrm>
-            <a:off x="581025" y="1514475"/>
-            <a:ext cx="11029950" cy="4762500"/>
-          </a:xfrm>
-          <a:prstGeom prst="rect">
-            <a:avLst/>
-          </a:prstGeom>
-          <a:noFill/>
-          <a:ln>
-            <a:noFill/>
-          </a:ln>
-        </p:spPr>
-      </p:pic>
-      <p:sp>
-        <p:nvSpPr>
-          <p:cNvPr id="235" name="Google Shape;235;p21"/>
-          <p:cNvSpPr txBox="1"/>
-          <p:nvPr/>
-        </p:nvSpPr>
-        <p:spPr>
-          <a:xfrm>
-            <a:off x="581025" y="2528887"/>
-            <a:ext cx="11029950" cy="304800"/>
-          </a:xfrm>
-          <a:prstGeom prst="rect">
-            <a:avLst/>
-          </a:prstGeom>
-          <a:noFill/>
-          <a:ln>
-            <a:noFill/>
-          </a:ln>
-        </p:spPr>
-        <p:txBody>
-          <a:bodyPr spcFirstLastPara="1" wrap="square" lIns="0" tIns="0" rIns="0" bIns="0" anchor="t" anchorCtr="0">
-            <a:spAutoFit/>
-          </a:bodyPr>
-          <a:lstStyle/>
-          <a:p>
-            <a:pPr marL="0" marR="0" lvl="0" indent="0" algn="ctr" rtl="0">
-              <a:lnSpc>
-                <a:spcPct val="160000"/>
-              </a:lnSpc>
-              <a:spcBef>
-                <a:spcPts val="0"/>
-              </a:spcBef>
-              <a:spcAft>
-                <a:spcPts val="0"/>
-              </a:spcAft>
-              <a:buNone/>
-            </a:pPr>
-            <a:r>
-              <a:rPr lang="en-US" sz="1500" b="0" i="0" u="none" strike="noStrike" cap="none">
-                <a:solidFill>
-                  <a:srgbClr val="CCCCCC"/>
-                </a:solidFill>
-                <a:latin typeface="Urbanist"/>
-                <a:ea typeface="Urbanist"/>
-                <a:cs typeface="Urbanist"/>
-                <a:sym typeface="Urbanist"/>
-              </a:rPr>
-              <a:t>Area Under the Curve (AUC) measures the ability of the classifier to distinguish between classes.</a:t>
-            </a:r>
-            <a:endParaRPr/>
-          </a:p>
-        </p:txBody>
-      </p:sp>
-      <p:sp>
-        <p:nvSpPr>
-          <p:cNvPr id="236" name="Google Shape;236;p21"/>
-          <p:cNvSpPr txBox="1"/>
-          <p:nvPr/>
-        </p:nvSpPr>
-        <p:spPr>
-          <a:xfrm>
-            <a:off x="771525" y="581025"/>
-            <a:ext cx="11381422" cy="552450"/>
-          </a:xfrm>
-          <a:prstGeom prst="rect">
-            <a:avLst/>
-          </a:prstGeom>
-          <a:noFill/>
-          <a:ln>
-            <a:noFill/>
-          </a:ln>
-        </p:spPr>
-        <p:txBody>
-          <a:bodyPr spcFirstLastPara="1" wrap="square" lIns="0" tIns="0" rIns="0" bIns="0" anchor="t" anchorCtr="0">
-            <a:spAutoFit/>
-          </a:bodyPr>
-          <a:lstStyle/>
-          <a:p>
-            <a:pPr marL="0" marR="0" lvl="0" indent="0" algn="l" rtl="0">
-              <a:spcBef>
-                <a:spcPts val="0"/>
-              </a:spcBef>
-              <a:spcAft>
-                <a:spcPts val="0"/>
-              </a:spcAft>
-              <a:buNone/>
-            </a:pPr>
-            <a:r>
-              <a:rPr lang="en-US" sz="3600" b="1" i="0" u="none" strike="noStrike" cap="none">
-                <a:solidFill>
-                  <a:srgbClr val="FFFFFF"/>
-                </a:solidFill>
-                <a:latin typeface="Urbanist"/>
-                <a:ea typeface="Urbanist"/>
-                <a:cs typeface="Urbanist"/>
-                <a:sym typeface="Urbanist"/>
-              </a:rPr>
-              <a:t>The Showdown: AUC Scores</a:t>
-            </a:r>
-            <a:endParaRPr/>
-          </a:p>
-        </p:txBody>
-      </p:sp>
-      <p:sp>
-        <p:nvSpPr>
-          <p:cNvPr id="237" name="Google Shape;237;p21"/>
-          <p:cNvSpPr/>
-          <p:nvPr/>
-        </p:nvSpPr>
-        <p:spPr>
-          <a:xfrm>
-            <a:off x="581025" y="581025"/>
-            <a:ext cx="47625" cy="552450"/>
-          </a:xfrm>
-          <a:prstGeom prst="rect">
-            <a:avLst/>
-          </a:prstGeom>
-          <a:solidFill>
-            <a:srgbClr val="DEFF9A"/>
-          </a:solidFill>
-          <a:ln>
-            <a:noFill/>
-          </a:ln>
-        </p:spPr>
-        <p:txBody>
-          <a:bodyPr spcFirstLastPara="1" wrap="square" lIns="91425" tIns="45700" rIns="91425" bIns="45700" anchor="ctr" anchorCtr="0">
-            <a:noAutofit/>
-          </a:bodyPr>
-          <a:lstStyle/>
-          <a:p>
-            <a:pPr marL="0" marR="0" lvl="0" indent="0" algn="ctr" rtl="0">
-              <a:spcBef>
-                <a:spcPts val="0"/>
-              </a:spcBef>
-              <a:spcAft>
-                <a:spcPts val="0"/>
-              </a:spcAft>
-              <a:buNone/>
-            </a:pPr>
-            <a:endParaRPr sz="1800" b="0" i="0" u="none" strike="noStrike" cap="none">
-              <a:solidFill>
-                <a:schemeClr val="dk1"/>
-              </a:solidFill>
-              <a:latin typeface="Calibri"/>
-              <a:ea typeface="Calibri"/>
-              <a:cs typeface="Calibri"/>
-              <a:sym typeface="Calibri"/>
-            </a:endParaRPr>
-          </a:p>
-        </p:txBody>
-      </p:sp>
     </p:spTree>
   </p:cSld>
   <p:clrMapOvr>

--- a/Credit Card Fraud Detection.pptx
+++ b/Credit Card Fraud Detection.pptx
@@ -14949,7 +14949,7 @@
         </p:blipFill>
         <p:spPr>
           <a:xfrm>
-            <a:off x="0" y="0"/>
+            <a:off x="0" y="222422"/>
             <a:ext cx="12192000" cy="6858000"/>
           </a:xfrm>
           <a:prstGeom prst="rect">
@@ -15410,7 +15410,7 @@
         </p:nvSpPr>
         <p:spPr>
           <a:xfrm>
-            <a:off x="5029200" y="3476625"/>
+            <a:off x="5053013" y="3400425"/>
             <a:ext cx="2514600" cy="304800"/>
           </a:xfrm>
           <a:prstGeom prst="rect">
@@ -15440,7 +15440,7 @@
               <a:buNone/>
             </a:pPr>
             <a:r>
-              <a:rPr lang="en-US" sz="1500" b="0" i="0" u="none" strike="noStrike" cap="none">
+              <a:rPr lang="en-US" sz="1500" b="0" i="0" u="none" strike="noStrike" cap="none" dirty="0">
                 <a:solidFill>
                   <a:srgbClr val="CCCCCC"/>
                 </a:solidFill>
@@ -15451,7 +15451,7 @@
               </a:rPr>
               <a:t>Distance from home</a:t>
             </a:r>
-            <a:endParaRPr/>
+            <a:endParaRPr dirty="0"/>
           </a:p>
         </p:txBody>
       </p:sp>
@@ -15513,7 +15513,7 @@
         </p:nvSpPr>
         <p:spPr>
           <a:xfrm>
-            <a:off x="5029200" y="3924300"/>
+            <a:off x="5076825" y="3877240"/>
             <a:ext cx="2514600" cy="609600"/>
           </a:xfrm>
           <a:prstGeom prst="rect">
@@ -15543,7 +15543,7 @@
               <a:buNone/>
             </a:pPr>
             <a:r>
-              <a:rPr lang="en-US" sz="1500" b="0" i="0" u="none" strike="noStrike" cap="none">
+              <a:rPr lang="en-US" sz="1500" b="0" i="0" u="none" strike="noStrike" cap="none" dirty="0">
                 <a:solidFill>
                   <a:srgbClr val="CCCCCC"/>
                 </a:solidFill>
@@ -15554,7 +15554,7 @@
               </a:rPr>
               <a:t>Distance from last transaction</a:t>
             </a:r>
-            <a:endParaRPr/>
+            <a:endParaRPr dirty="0"/>
           </a:p>
         </p:txBody>
       </p:sp>
@@ -15616,7 +15616,7 @@
         </p:nvSpPr>
         <p:spPr>
           <a:xfrm>
-            <a:off x="5029200" y="4676775"/>
+            <a:off x="5076825" y="4604405"/>
             <a:ext cx="2514600" cy="609600"/>
           </a:xfrm>
           <a:prstGeom prst="rect">
@@ -15646,7 +15646,7 @@
               <a:buNone/>
             </a:pPr>
             <a:r>
-              <a:rPr lang="en-US" sz="1500" b="0" i="0" u="none" strike="noStrike" cap="none">
+              <a:rPr lang="en-US" sz="1500" b="0" i="0" u="none" strike="noStrike" cap="none" dirty="0">
                 <a:solidFill>
                   <a:srgbClr val="CCCCCC"/>
                 </a:solidFill>
@@ -15657,7 +15657,7 @@
               </a:rPr>
               <a:t>Ratio to median purchase price</a:t>
             </a:r>
-            <a:endParaRPr/>
+            <a:endParaRPr dirty="0"/>
           </a:p>
         </p:txBody>
       </p:sp>
@@ -15746,7 +15746,7 @@
         </p:nvSpPr>
         <p:spPr>
           <a:xfrm>
-            <a:off x="8801100" y="3476625"/>
+            <a:off x="8848725" y="3400425"/>
             <a:ext cx="2514600" cy="304800"/>
           </a:xfrm>
           <a:prstGeom prst="rect">
@@ -15776,7 +15776,7 @@
               <a:buNone/>
             </a:pPr>
             <a:r>
-              <a:rPr lang="en-US" sz="1500" b="0" i="0" u="none" strike="noStrike" cap="none">
+              <a:rPr lang="en-US" sz="1500" b="0" i="0" u="none" strike="noStrike" cap="none" dirty="0">
                 <a:solidFill>
                   <a:srgbClr val="CCCCCC"/>
                 </a:solidFill>
@@ -15787,7 +15787,7 @@
               </a:rPr>
               <a:t>Repeat Retailer</a:t>
             </a:r>
-            <a:endParaRPr/>
+            <a:endParaRPr dirty="0"/>
           </a:p>
         </p:txBody>
       </p:sp>
@@ -15849,8 +15849,8 @@
         </p:nvSpPr>
         <p:spPr>
           <a:xfrm>
-            <a:off x="8801100" y="3924300"/>
-            <a:ext cx="2514600" cy="304800"/>
+            <a:off x="8848725" y="3872382"/>
+            <a:ext cx="2514600" cy="738664"/>
           </a:xfrm>
           <a:prstGeom prst="rect">
             <a:avLst/>
@@ -15879,7 +15879,7 @@
               <a:buNone/>
             </a:pPr>
             <a:r>
-              <a:rPr lang="en-US" sz="1500" b="0" i="0" u="none" strike="noStrike" cap="none">
+              <a:rPr lang="en-US" sz="1500" b="0" i="0" u="none" strike="noStrike" cap="none" dirty="0">
                 <a:solidFill>
                   <a:srgbClr val="CCCCCC"/>
                 </a:solidFill>
@@ -15888,9 +15888,44 @@
                 <a:cs typeface="Urbanist"/>
                 <a:sym typeface="Urbanist"/>
               </a:rPr>
-              <a:t>Used Chip / PIN</a:t>
+              <a:t>Used Chip </a:t>
             </a:r>
-            <a:endParaRPr/>
+            <a:endParaRPr lang="en-US" sz="1500" dirty="0">
+              <a:solidFill>
+                <a:srgbClr val="CCCCCC"/>
+              </a:solidFill>
+              <a:latin typeface="Urbanist"/>
+              <a:ea typeface="Urbanist"/>
+              <a:cs typeface="Urbanist"/>
+              <a:sym typeface="Urbanist"/>
+            </a:endParaRPr>
+          </a:p>
+          <a:p>
+            <a:pPr marL="0" marR="0" lvl="0" indent="0" algn="l" rtl="0">
+              <a:lnSpc>
+                <a:spcPct val="160000"/>
+              </a:lnSpc>
+              <a:spcBef>
+                <a:spcPts val="0"/>
+              </a:spcBef>
+              <a:spcAft>
+                <a:spcPts val="0"/>
+              </a:spcAft>
+              <a:buNone/>
+            </a:pPr>
+            <a:r>
+              <a:rPr lang="en-US" sz="1500" b="0" i="0" u="none" strike="noStrike" cap="none" dirty="0">
+                <a:solidFill>
+                  <a:srgbClr val="CCCCCC"/>
+                </a:solidFill>
+                <a:latin typeface="Urbanist"/>
+                <a:ea typeface="Urbanist"/>
+                <a:cs typeface="Urbanist"/>
+                <a:sym typeface="Urbanist"/>
+              </a:rPr>
+              <a:t>Used PIN</a:t>
+            </a:r>
+            <a:endParaRPr dirty="0"/>
           </a:p>
         </p:txBody>
       </p:sp>
@@ -15902,8 +15937,8 @@
         </p:nvSpPr>
         <p:spPr>
           <a:xfrm>
-            <a:off x="8763000" y="4371975"/>
-            <a:ext cx="38100" cy="304800"/>
+            <a:off x="8763000" y="4334903"/>
+            <a:ext cx="451338" cy="239072"/>
           </a:xfrm>
           <a:prstGeom prst="rect">
             <a:avLst/>
@@ -15929,7 +15964,7 @@
               <a:buNone/>
             </a:pPr>
             <a:r>
-              <a:rPr lang="en-US" sz="1500" b="0" i="0" u="none" strike="noStrike" cap="none">
+              <a:rPr lang="en-US" sz="1500" b="0" i="0" u="none" strike="noStrike" cap="none" dirty="0">
                 <a:solidFill>
                   <a:srgbClr val="CCCCCC"/>
                 </a:solidFill>
@@ -15940,7 +15975,7 @@
               </a:rPr>
               <a:t>•</a:t>
             </a:r>
-            <a:endParaRPr/>
+            <a:endParaRPr dirty="0"/>
           </a:p>
         </p:txBody>
       </p:sp>
@@ -15952,7 +15987,7 @@
         </p:nvSpPr>
         <p:spPr>
           <a:xfrm>
-            <a:off x="8801100" y="4371975"/>
+            <a:off x="8848725" y="4709079"/>
             <a:ext cx="2514600" cy="304800"/>
           </a:xfrm>
           <a:prstGeom prst="rect">
@@ -15982,7 +16017,7 @@
               <a:buNone/>
             </a:pPr>
             <a:r>
-              <a:rPr lang="en-US" sz="1500" b="0" i="0" u="none" strike="noStrike" cap="none">
+              <a:rPr lang="en-US" sz="1500" b="0" i="0" u="none" strike="noStrike" cap="none" dirty="0">
                 <a:solidFill>
                   <a:srgbClr val="CCCCCC"/>
                 </a:solidFill>
@@ -15993,7 +16028,7 @@
               </a:rPr>
               <a:t>Online Order</a:t>
             </a:r>
-            <a:endParaRPr/>
+            <a:endParaRPr dirty="0"/>
           </a:p>
         </p:txBody>
       </p:sp>
@@ -16005,8 +16040,8 @@
         </p:nvSpPr>
         <p:spPr>
           <a:xfrm>
-            <a:off x="8763000" y="4819650"/>
-            <a:ext cx="38100" cy="304800"/>
+            <a:off x="8763000" y="4793789"/>
+            <a:ext cx="590034" cy="230832"/>
           </a:xfrm>
           <a:prstGeom prst="rect">
             <a:avLst/>
@@ -16032,7 +16067,7 @@
               <a:buNone/>
             </a:pPr>
             <a:r>
-              <a:rPr lang="en-US" sz="1500" b="0" i="0" u="none" strike="noStrike" cap="none">
+              <a:rPr lang="en-US" sz="1500" b="0" i="0" u="none" strike="noStrike" cap="none" dirty="0">
                 <a:solidFill>
                   <a:srgbClr val="CCCCCC"/>
                 </a:solidFill>
@@ -16043,7 +16078,7 @@
               </a:rPr>
               <a:t>•</a:t>
             </a:r>
-            <a:endParaRPr/>
+            <a:endParaRPr dirty="0"/>
           </a:p>
         </p:txBody>
       </p:sp>
@@ -16055,8 +16090,8 @@
         </p:nvSpPr>
         <p:spPr>
           <a:xfrm>
-            <a:off x="8801100" y="4819650"/>
-            <a:ext cx="2514600" cy="304800"/>
+            <a:off x="8848725" y="5094761"/>
+            <a:ext cx="2514600" cy="369332"/>
           </a:xfrm>
           <a:prstGeom prst="rect">
             <a:avLst/>
@@ -16085,7 +16120,7 @@
               <a:buNone/>
             </a:pPr>
             <a:r>
-              <a:rPr lang="en-US" sz="1500" b="1" i="0" u="none" strike="noStrike" cap="none">
+              <a:rPr lang="en-US" sz="1500" b="1" i="0" u="none" strike="noStrike" cap="none" dirty="0">
                 <a:solidFill>
                   <a:srgbClr val="CCCCCC"/>
                 </a:solidFill>
@@ -16094,9 +16129,9 @@
                 <a:cs typeface="Urbanist"/>
                 <a:sym typeface="Urbanist"/>
               </a:rPr>
-              <a:t>Target: Fraud (0/1)</a:t>
+              <a:t>Fraud (0/1)</a:t>
             </a:r>
-            <a:endParaRPr/>
+            <a:endParaRPr dirty="0"/>
           </a:p>
         </p:txBody>
       </p:sp>
@@ -16437,6 +16472,62 @@
           </a:extLst>
         </p:spPr>
       </p:pic>
+      <p:sp>
+        <p:nvSpPr>
+          <p:cNvPr id="4" name="Google Shape;132;p15">
+            <a:extLst>
+              <a:ext uri="{FF2B5EF4-FFF2-40B4-BE49-F238E27FC236}">
+                <a16:creationId xmlns:a16="http://schemas.microsoft.com/office/drawing/2014/main" id="{76D223B9-854F-7A61-2EB9-3E6D3E05BE46}"/>
+              </a:ext>
+            </a:extLst>
+          </p:cNvPr>
+          <p:cNvSpPr txBox="1"/>
+          <p:nvPr/>
+        </p:nvSpPr>
+        <p:spPr>
+          <a:xfrm>
+            <a:off x="8763000" y="5181649"/>
+            <a:ext cx="590034" cy="230832"/>
+          </a:xfrm>
+          <a:prstGeom prst="rect">
+            <a:avLst/>
+          </a:prstGeom>
+          <a:noFill/>
+          <a:ln>
+            <a:noFill/>
+          </a:ln>
+        </p:spPr>
+        <p:txBody>
+          <a:bodyPr spcFirstLastPara="1" wrap="square" lIns="0" tIns="0" rIns="0" bIns="0" anchor="t" anchorCtr="0">
+            <a:spAutoFit/>
+          </a:bodyPr>
+          <a:lstStyle/>
+          <a:p>
+            <a:pPr marL="0" marR="0" lvl="0" indent="0" algn="l" rtl="0">
+              <a:spcBef>
+                <a:spcPts val="0"/>
+              </a:spcBef>
+              <a:spcAft>
+                <a:spcPts val="0"/>
+              </a:spcAft>
+              <a:buNone/>
+            </a:pPr>
+            <a:r>
+              <a:rPr lang="en-US" sz="1500" b="0" i="0" u="none" strike="noStrike" cap="none" dirty="0">
+                <a:solidFill>
+                  <a:srgbClr val="CCCCCC"/>
+                </a:solidFill>
+                <a:latin typeface="Urbanist"/>
+                <a:ea typeface="Urbanist"/>
+                <a:cs typeface="Urbanist"/>
+                <a:sym typeface="Urbanist"/>
+              </a:rPr>
+              <a:t>•</a:t>
+            </a:r>
+            <a:endParaRPr dirty="0"/>
+          </a:p>
+        </p:txBody>
+      </p:sp>
     </p:spTree>
   </p:cSld>
   <p:clrMapOvr>

--- a/Credit Card Fraud Detection.pptx
+++ b/Credit Card Fraud Detection.pptx
@@ -15206,8 +15206,8 @@
         </p:nvSpPr>
         <p:spPr>
           <a:xfrm>
-            <a:off x="4648200" y="3000375"/>
-            <a:ext cx="3040380" cy="323850"/>
+            <a:off x="4648200" y="2815322"/>
+            <a:ext cx="3040380" cy="646331"/>
           </a:xfrm>
           <a:prstGeom prst="rect">
             <a:avLst/>
@@ -15233,7 +15233,7 @@
               <a:buNone/>
             </a:pPr>
             <a:r>
-              <a:rPr lang="en-US" sz="2100" b="1" i="0" u="none" strike="noStrike" cap="none">
+              <a:rPr lang="en-US" sz="2100" b="1" i="0" u="none" strike="noStrike" cap="none" dirty="0">
                 <a:solidFill>
                   <a:srgbClr val="DEFF9A"/>
                 </a:solidFill>
@@ -15242,9 +15242,9 @@
                 <a:cs typeface="Urbanist"/>
                 <a:sym typeface="Urbanist"/>
               </a:rPr>
-              <a:t>Continuous Features</a:t>
+              <a:t>Continuous Numerical Features</a:t>
             </a:r>
-            <a:endParaRPr/>
+            <a:endParaRPr dirty="0"/>
           </a:p>
         </p:txBody>
       </p:sp>
@@ -15256,8 +15256,8 @@
         </p:nvSpPr>
         <p:spPr>
           <a:xfrm>
-            <a:off x="8420100" y="3000375"/>
-            <a:ext cx="3040380" cy="323850"/>
+            <a:off x="8388668" y="2791534"/>
+            <a:ext cx="3040380" cy="646331"/>
           </a:xfrm>
           <a:prstGeom prst="rect">
             <a:avLst/>
@@ -15283,7 +15283,7 @@
               <a:buNone/>
             </a:pPr>
             <a:r>
-              <a:rPr lang="en-US" sz="2100" b="1" i="0" u="none" strike="noStrike" cap="none">
+              <a:rPr lang="en-US" sz="2100" b="1" i="0" u="none" strike="noStrike" cap="none" dirty="0">
                 <a:solidFill>
                   <a:srgbClr val="DEFF9A"/>
                 </a:solidFill>
@@ -15292,9 +15292,9 @@
                 <a:cs typeface="Urbanist"/>
                 <a:sym typeface="Urbanist"/>
               </a:rPr>
-              <a:t>Binary Features</a:t>
+              <a:t>Categorical (Binary) Features</a:t>
             </a:r>
-            <a:endParaRPr/>
+            <a:endParaRPr dirty="0"/>
           </a:p>
         </p:txBody>
       </p:sp>

--- a/Credit Card Fraud Detection.pptx
+++ b/Credit Card Fraud Detection.pptx
@@ -16737,6 +16737,87 @@
           </a:prstGeom>
         </p:spPr>
       </p:pic>
+      <p:sp>
+        <p:nvSpPr>
+          <p:cNvPr id="8" name="TextBox 7">
+            <a:extLst>
+              <a:ext uri="{FF2B5EF4-FFF2-40B4-BE49-F238E27FC236}">
+                <a16:creationId xmlns:a16="http://schemas.microsoft.com/office/drawing/2014/main" id="{BA8846C2-D652-07CC-FC37-4845C614B551}"/>
+              </a:ext>
+            </a:extLst>
+          </p:cNvPr>
+          <p:cNvSpPr txBox="1"/>
+          <p:nvPr/>
+        </p:nvSpPr>
+        <p:spPr>
+          <a:xfrm>
+            <a:off x="581025" y="5376418"/>
+            <a:ext cx="4091631" cy="523220"/>
+          </a:xfrm>
+          <a:prstGeom prst="rect">
+            <a:avLst/>
+          </a:prstGeom>
+          <a:noFill/>
+        </p:spPr>
+        <p:txBody>
+          <a:bodyPr wrap="square" rtlCol="0">
+            <a:spAutoFit/>
+          </a:bodyPr>
+          <a:lstStyle/>
+          <a:p>
+            <a:r>
+              <a:rPr lang="en-US" b="1" u="sng" dirty="0">
+                <a:solidFill>
+                  <a:schemeClr val="bg1"/>
+                </a:solidFill>
+              </a:rPr>
+              <a:t>Chip Used:</a:t>
+            </a:r>
+            <a:r>
+              <a:rPr lang="en-US" b="1" dirty="0">
+                <a:solidFill>
+                  <a:schemeClr val="bg1"/>
+                </a:solidFill>
+              </a:rPr>
+              <a:t> </a:t>
+            </a:r>
+            <a:r>
+              <a:rPr lang="en-US" dirty="0">
+                <a:solidFill>
+                  <a:schemeClr val="bg1"/>
+                </a:solidFill>
+              </a:rPr>
+              <a:t>0.068 fraud ratio</a:t>
+            </a:r>
+          </a:p>
+          <a:p>
+            <a:r>
+              <a:rPr lang="en-US" b="1" u="sng" dirty="0">
+                <a:solidFill>
+                  <a:schemeClr val="bg1"/>
+                </a:solidFill>
+              </a:rPr>
+              <a:t>Chip Not Used:</a:t>
+            </a:r>
+            <a:r>
+              <a:rPr lang="en-US" b="1" dirty="0">
+                <a:solidFill>
+                  <a:schemeClr val="bg1"/>
+                </a:solidFill>
+              </a:rPr>
+              <a:t> </a:t>
+            </a:r>
+            <a:r>
+              <a:rPr lang="en-US" dirty="0">
+                <a:solidFill>
+                  <a:schemeClr val="bg1"/>
+                </a:solidFill>
+              </a:rPr>
+              <a:t>0.111 fraud ratio</a:t>
+            </a:r>
+          </a:p>
+        </p:txBody>
+      </p:sp>
     </p:spTree>
     <p:extLst>
       <p:ext uri="{BB962C8B-B14F-4D97-AF65-F5344CB8AC3E}">

--- a/Credit Card Fraud Detection.pptx
+++ b/Credit Card Fraud Detection.pptx
@@ -27,7 +27,7 @@
   <p:notesSz cx="6858000" cy="9144000"/>
   <p:embeddedFontLst>
     <p:embeddedFont>
-      <p:font typeface="Urbanist" panose="020B0A04040200000203" pitchFamily="34" charset="77"/>
+      <p:font typeface="Urbanist" panose="020B0604020202020204" charset="0"/>
       <p:regular r:id="rId17"/>
       <p:bold r:id="rId18"/>
       <p:italic r:id="rId19"/>
@@ -894,8 +894,8 @@
         </p:nvSpPr>
         <p:spPr>
           <a:xfrm>
-            <a:off x="1143225" y="685800"/>
-            <a:ext cx="4572225" cy="3429000"/>
+            <a:off x="381000" y="685800"/>
+            <a:ext cx="6096000" cy="3429000"/>
           </a:xfrm>
           <a:custGeom>
             <a:avLst/>
@@ -12374,86 +12374,6 @@
           </a:ln>
         </p:spPr>
       </p:pic>
-      <p:pic>
-        <p:nvPicPr>
-          <p:cNvPr id="234" name="Google Shape;234;p21" descr="image.png"/>
-          <p:cNvPicPr preferRelativeResize="0"/>
-          <p:nvPr/>
-        </p:nvPicPr>
-        <p:blipFill rotWithShape="1">
-          <a:blip r:embed="rId4">
-            <a:alphaModFix/>
-          </a:blip>
-          <a:srcRect/>
-          <a:stretch/>
-        </p:blipFill>
-        <p:spPr>
-          <a:xfrm>
-            <a:off x="581025" y="1514475"/>
-            <a:ext cx="11029950" cy="4762500"/>
-          </a:xfrm>
-          <a:prstGeom prst="rect">
-            <a:avLst/>
-          </a:prstGeom>
-          <a:noFill/>
-          <a:ln>
-            <a:noFill/>
-          </a:ln>
-        </p:spPr>
-      </p:pic>
-      <p:sp>
-        <p:nvSpPr>
-          <p:cNvPr id="235" name="Google Shape;235;p21"/>
-          <p:cNvSpPr txBox="1"/>
-          <p:nvPr/>
-        </p:nvSpPr>
-        <p:spPr>
-          <a:xfrm>
-            <a:off x="581025" y="2528887"/>
-            <a:ext cx="11029950" cy="304800"/>
-          </a:xfrm>
-          <a:prstGeom prst="rect">
-            <a:avLst/>
-          </a:prstGeom>
-          <a:noFill/>
-          <a:ln>
-            <a:noFill/>
-          </a:ln>
-        </p:spPr>
-        <p:txBody>
-          <a:bodyPr spcFirstLastPara="1" wrap="square" lIns="0" tIns="0" rIns="0" bIns="0" anchor="t" anchorCtr="0">
-            <a:spAutoFit/>
-          </a:bodyPr>
-          <a:lstStyle/>
-          <a:p>
-            <a:pPr marL="0" marR="0" lvl="0" indent="0" algn="ctr" rtl="0">
-              <a:lnSpc>
-                <a:spcPct val="160000"/>
-              </a:lnSpc>
-              <a:spcBef>
-                <a:spcPts val="0"/>
-              </a:spcBef>
-              <a:spcAft>
-                <a:spcPts val="0"/>
-              </a:spcAft>
-              <a:buNone/>
-            </a:pPr>
-            <a:r>
-              <a:rPr lang="en-US" sz="1500" b="0" i="0" u="none" strike="noStrike" cap="none">
-                <a:solidFill>
-                  <a:srgbClr val="CCCCCC"/>
-                </a:solidFill>
-                <a:latin typeface="Urbanist"/>
-                <a:ea typeface="Urbanist"/>
-                <a:cs typeface="Urbanist"/>
-                <a:sym typeface="Urbanist"/>
-              </a:rPr>
-              <a:t>Area Under the Curve (AUC) measures the ability of the classifier to distinguish between classes.</a:t>
-            </a:r>
-            <a:endParaRPr/>
-          </a:p>
-        </p:txBody>
-      </p:sp>
       <p:sp>
         <p:nvSpPr>
           <p:cNvPr id="236" name="Google Shape;236;p21"/>
@@ -12552,6 +12472,36 @@
           </a:p>
         </p:txBody>
       </p:sp>
+      <p:pic>
+        <p:nvPicPr>
+          <p:cNvPr id="5" name="Picture 4" descr="A graph of a function&#10;&#10;AI-generated content may be incorrect.">
+            <a:extLst>
+              <a:ext uri="{FF2B5EF4-FFF2-40B4-BE49-F238E27FC236}">
+                <a16:creationId xmlns:a16="http://schemas.microsoft.com/office/drawing/2014/main" id="{9AC9D203-F175-7B19-FFBF-C4A21B9571BE}"/>
+              </a:ext>
+            </a:extLst>
+          </p:cNvPr>
+          <p:cNvPicPr>
+            <a:picLocks noChangeAspect="1"/>
+          </p:cNvPicPr>
+          <p:nvPr/>
+        </p:nvPicPr>
+        <p:blipFill>
+          <a:blip r:embed="rId4"/>
+          <a:stretch>
+            <a:fillRect/>
+          </a:stretch>
+        </p:blipFill>
+        <p:spPr>
+          <a:xfrm>
+            <a:off x="2731569" y="1133475"/>
+            <a:ext cx="6728861" cy="5517510"/>
+          </a:xfrm>
+          <a:prstGeom prst="rect">
+            <a:avLst/>
+          </a:prstGeom>
+        </p:spPr>
+      </p:pic>
     </p:spTree>
   </p:cSld>
   <p:clrMapOvr>
@@ -18286,7 +18236,7 @@
               <a:buNone/>
             </a:pPr>
             <a:r>
-              <a:rPr lang="en-US" sz="1500" b="0" i="0" u="none" strike="noStrike" cap="none">
+              <a:rPr lang="en-US" sz="1500" b="0" i="0" u="none" strike="noStrike" cap="none" dirty="0">
                 <a:solidFill>
                   <a:srgbClr val="CCCCCC"/>
                 </a:solidFill>
@@ -18297,7 +18247,7 @@
               </a:rPr>
               <a:t>Performed reasonably well but struggled with complex fraud patterns.</a:t>
             </a:r>
-            <a:endParaRPr/>
+            <a:endParaRPr dirty="0"/>
           </a:p>
         </p:txBody>
       </p:sp>
@@ -19048,64 +18998,17 @@
           </a:p>
         </p:txBody>
       </p:sp>
-      <p:sp>
-        <p:nvSpPr>
-          <p:cNvPr id="180" name="Google Shape;180;p18"/>
-          <p:cNvSpPr txBox="1"/>
-          <p:nvPr/>
-        </p:nvSpPr>
-        <p:spPr>
-          <a:xfrm>
-            <a:off x="6677025" y="2762250"/>
-            <a:ext cx="4638600" cy="231000"/>
-          </a:xfrm>
-          <a:prstGeom prst="rect">
-            <a:avLst/>
-          </a:prstGeom>
-          <a:noFill/>
-          <a:ln>
-            <a:noFill/>
-          </a:ln>
-        </p:spPr>
-        <p:txBody>
-          <a:bodyPr spcFirstLastPara="1" wrap="square" lIns="0" tIns="0" rIns="0" bIns="0" anchor="t" anchorCtr="0">
-            <a:spAutoFit/>
-          </a:bodyPr>
-          <a:lstStyle/>
-          <a:p>
-            <a:pPr marL="0" marR="0" lvl="0" indent="0" algn="l" rtl="0">
-              <a:lnSpc>
-                <a:spcPct val="160000"/>
-              </a:lnSpc>
-              <a:spcBef>
-                <a:spcPts val="0"/>
-              </a:spcBef>
-              <a:spcAft>
-                <a:spcPts val="0"/>
-              </a:spcAft>
-              <a:buNone/>
-            </a:pPr>
-            <a:r>
-              <a:rPr lang="en-US" sz="1500" b="0" i="0" u="none" strike="noStrike" cap="none">
-                <a:solidFill>
-                  <a:srgbClr val="CCCCCC"/>
-                </a:solidFill>
-                <a:latin typeface="Urbanist"/>
-                <a:ea typeface="Urbanist"/>
-                <a:cs typeface="Urbanist"/>
-                <a:sym typeface="Urbanist"/>
-              </a:rPr>
-              <a:t>S</a:t>
-            </a:r>
-            <a:endParaRPr/>
-          </a:p>
-        </p:txBody>
-      </p:sp>
       <p:graphicFrame>
         <p:nvGraphicFramePr>
           <p:cNvPr id="181" name="Google Shape;181;p18"/>
           <p:cNvGraphicFramePr/>
-          <p:nvPr/>
+          <p:nvPr>
+            <p:extLst>
+              <p:ext uri="{D42A27DB-BD31-4B8C-83A1-F6EECF244321}">
+                <p14:modId xmlns:p14="http://schemas.microsoft.com/office/powerpoint/2010/main" val="1512471421"/>
+              </p:ext>
+            </p:extLst>
+          </p:nvPr>
         </p:nvGraphicFramePr>
         <p:xfrm>
           <a:off x="6677025" y="3562350"/>
@@ -19381,7 +19284,11 @@
                         </a:spcAft>
                         <a:buNone/>
                       </a:pPr>
-                      <a:endParaRPr/>
+                      <a:r>
+                        <a:rPr lang="it-IT" dirty="0"/>
+                        <a:t>0.09</a:t>
+                      </a:r>
+                      <a:endParaRPr dirty="0"/>
                     </a:p>
                   </a:txBody>
                   <a:tcPr marL="63500" marR="63500" marT="25400" marB="25400" anchor="ctr">
@@ -19525,7 +19432,11 @@
                         </a:spcAft>
                         <a:buNone/>
                       </a:pPr>
-                      <a:endParaRPr/>
+                      <a:r>
+                        <a:rPr lang="it-IT" dirty="0"/>
+                        <a:t>0.99</a:t>
+                      </a:r>
+                      <a:endParaRPr dirty="0"/>
                     </a:p>
                   </a:txBody>
                   <a:tcPr marL="63500" marR="63500" marT="25400" marB="25400" anchor="ctr">
@@ -19669,7 +19580,11 @@
                         </a:spcAft>
                         <a:buNone/>
                       </a:pPr>
-                      <a:endParaRPr/>
+                      <a:r>
+                        <a:rPr lang="it-IT" dirty="0"/>
+                        <a:t>0.17</a:t>
+                      </a:r>
+                      <a:endParaRPr dirty="0"/>
                     </a:p>
                   </a:txBody>
                   <a:tcPr marL="63500" marR="63500" marT="25400" marB="25400" anchor="ctr">
@@ -20592,6 +20507,48 @@
               <a:cs typeface="Calibri"/>
               <a:sym typeface="Calibri"/>
             </a:endParaRPr>
+          </a:p>
+        </p:txBody>
+      </p:sp>
+      <p:sp>
+        <p:nvSpPr>
+          <p:cNvPr id="3" name="TextBox 2">
+            <a:extLst>
+              <a:ext uri="{FF2B5EF4-FFF2-40B4-BE49-F238E27FC236}">
+                <a16:creationId xmlns:a16="http://schemas.microsoft.com/office/drawing/2014/main" id="{DD605A0B-4D20-D525-4D2B-39DDCB452751}"/>
+              </a:ext>
+            </a:extLst>
+          </p:cNvPr>
+          <p:cNvSpPr txBox="1"/>
+          <p:nvPr/>
+        </p:nvSpPr>
+        <p:spPr>
+          <a:xfrm>
+            <a:off x="6667500" y="2757488"/>
+            <a:ext cx="4638675" cy="553998"/>
+          </a:xfrm>
+          <a:prstGeom prst="rect">
+            <a:avLst/>
+          </a:prstGeom>
+          <a:noFill/>
+        </p:spPr>
+        <p:txBody>
+          <a:bodyPr wrap="square">
+            <a:spAutoFit/>
+          </a:bodyPr>
+          <a:lstStyle/>
+          <a:p>
+            <a:r>
+              <a:rPr lang="en-CA" sz="1500" dirty="0">
+                <a:solidFill>
+                  <a:srgbClr val="CCCCCC"/>
+                </a:solidFill>
+                <a:latin typeface="Urbanist"/>
+                <a:ea typeface="Urbanist"/>
+                <a:cs typeface="Urbanist"/>
+              </a:rPr>
+              <a:t>Performed bad because the dataset is imbalanced and in general it’s a poor fit for large datasets</a:t>
+            </a:r>
           </a:p>
         </p:txBody>
       </p:sp>

--- a/Credit Card Fraud Detection.pptx
+++ b/Credit Card Fraud Detection.pptx
@@ -1102,8 +1102,8 @@
         </p:nvSpPr>
         <p:spPr>
           <a:xfrm>
-            <a:off x="1143225" y="685800"/>
-            <a:ext cx="4572225" cy="3429000"/>
+            <a:off x="381000" y="685800"/>
+            <a:ext cx="6096000" cy="3429000"/>
           </a:xfrm>
           <a:custGeom>
             <a:avLst/>
@@ -1206,8 +1206,8 @@
         </p:nvSpPr>
         <p:spPr>
           <a:xfrm>
-            <a:off x="1143225" y="685800"/>
-            <a:ext cx="4572225" cy="3429000"/>
+            <a:off x="381000" y="685800"/>
+            <a:ext cx="6096000" cy="3429000"/>
           </a:xfrm>
           <a:custGeom>
             <a:avLst/>
@@ -13183,33 +13183,6 @@
           </a:ln>
         </p:spPr>
       </p:pic>
-      <p:pic>
-        <p:nvPicPr>
-          <p:cNvPr id="262" name="Google Shape;262;p23" descr="image.png"/>
-          <p:cNvPicPr preferRelativeResize="0"/>
-          <p:nvPr/>
-        </p:nvPicPr>
-        <p:blipFill rotWithShape="1">
-          <a:blip r:embed="rId4">
-            <a:alphaModFix/>
-          </a:blip>
-          <a:srcRect/>
-          <a:stretch/>
-        </p:blipFill>
-        <p:spPr>
-          <a:xfrm>
-            <a:off x="581025" y="4116585"/>
-            <a:ext cx="11029950" cy="979140"/>
-          </a:xfrm>
-          <a:prstGeom prst="rect">
-            <a:avLst/>
-          </a:prstGeom>
-          <a:noFill/>
-          <a:ln>
-            <a:noFill/>
-          </a:ln>
-        </p:spPr>
-      </p:pic>
       <p:sp>
         <p:nvSpPr>
           <p:cNvPr id="263" name="Google Shape;263;p23"/>
@@ -13308,59 +13281,6 @@
                 <a:sym typeface="Urbanist"/>
               </a:rPr>
               <a:t>The Random Forest classifier is the recommended model for deployment. It offers the highest protection against financial loss (Recall) while maintaining a seamless user experience (Precision).</a:t>
-            </a:r>
-            <a:endParaRPr/>
-          </a:p>
-        </p:txBody>
-      </p:sp>
-      <p:sp>
-        <p:nvSpPr>
-          <p:cNvPr id="265" name="Google Shape;265;p23"/>
-          <p:cNvSpPr txBox="1"/>
-          <p:nvPr/>
-        </p:nvSpPr>
-        <p:spPr>
-          <a:xfrm>
-            <a:off x="581025" y="4678560"/>
-            <a:ext cx="11029950" cy="274290"/>
-          </a:xfrm>
-          <a:prstGeom prst="rect">
-            <a:avLst/>
-          </a:prstGeom>
-          <a:noFill/>
-          <a:ln>
-            <a:noFill/>
-          </a:ln>
-        </p:spPr>
-        <p:txBody>
-          <a:bodyPr spcFirstLastPara="1" wrap="square" lIns="0" tIns="0" rIns="0" bIns="0" anchor="t" anchorCtr="0">
-            <a:spAutoFit/>
-          </a:bodyPr>
-          <a:lstStyle/>
-          <a:p>
-            <a:pPr marL="0" marR="0" lvl="0" indent="0" algn="ctr" rtl="0">
-              <a:lnSpc>
-                <a:spcPct val="160000"/>
-              </a:lnSpc>
-              <a:spcBef>
-                <a:spcPts val="0"/>
-              </a:spcBef>
-              <a:spcAft>
-                <a:spcPts val="0"/>
-              </a:spcAft>
-              <a:buNone/>
-            </a:pPr>
-            <a:r>
-              <a:rPr lang="en-US" sz="1350" b="0" i="0" u="none" strike="noStrike" cap="none">
-                <a:solidFill>
-                  <a:srgbClr val="888888"/>
-                </a:solidFill>
-                <a:latin typeface="Urbanist"/>
-                <a:ea typeface="Urbanist"/>
-                <a:cs typeface="Urbanist"/>
-                <a:sym typeface="Urbanist"/>
-              </a:rPr>
-              <a:t>Next Steps: Hyperparameter tuning and real-time API integration.</a:t>
             </a:r>
             <a:endParaRPr/>
           </a:p>
@@ -13435,7 +13355,7 @@
         <p:spPr>
           <a:xfrm>
             <a:off x="305276" y="2538412"/>
-            <a:ext cx="11581447" cy="1143000"/>
+            <a:ext cx="11581447" cy="2308324"/>
           </a:xfrm>
           <a:prstGeom prst="rect">
             <a:avLst/>
@@ -13460,6 +13380,18 @@
               </a:spcAft>
               <a:buNone/>
             </a:pPr>
+            <a:r>
+              <a:rPr lang="en-US" sz="7500" b="1" i="0" u="none" strike="noStrike" cap="none" dirty="0">
+                <a:solidFill>
+                  <a:srgbClr val="DEFF9A"/>
+                </a:solidFill>
+                <a:latin typeface="Urbanist"/>
+                <a:ea typeface="Urbanist"/>
+                <a:cs typeface="Urbanist"/>
+                <a:sym typeface="Urbanist"/>
+              </a:rPr>
+              <a:t>Thank you for </a:t>
+            </a:r>
             <a:r>
               <a:rPr lang="en-US" sz="7500" b="1" i="0" u="none" strike="noStrike" cap="none">
                 <a:solidFill>
@@ -13470,62 +13402,17 @@
                 <a:cs typeface="Urbanist"/>
                 <a:sym typeface="Urbanist"/>
               </a:rPr>
-              <a:t>Q &amp; A</a:t>
+              <a:t>your attention</a:t>
             </a:r>
-            <a:endParaRPr/>
-          </a:p>
-        </p:txBody>
-      </p:sp>
-      <p:sp>
-        <p:nvSpPr>
-          <p:cNvPr id="272" name="Google Shape;272;p24"/>
-          <p:cNvSpPr txBox="1"/>
-          <p:nvPr/>
-        </p:nvSpPr>
-        <p:spPr>
-          <a:xfrm>
-            <a:off x="581025" y="3871912"/>
-            <a:ext cx="11029950" cy="304800"/>
-          </a:xfrm>
-          <a:prstGeom prst="rect">
-            <a:avLst/>
-          </a:prstGeom>
-          <a:noFill/>
-          <a:ln>
-            <a:noFill/>
-          </a:ln>
-        </p:spPr>
-        <p:txBody>
-          <a:bodyPr spcFirstLastPara="1" wrap="square" lIns="0" tIns="0" rIns="0" bIns="0" anchor="t" anchorCtr="0">
-            <a:spAutoFit/>
-          </a:bodyPr>
-          <a:lstStyle/>
-          <a:p>
-            <a:pPr marL="0" marR="0" lvl="0" indent="0" algn="ctr" rtl="0">
-              <a:lnSpc>
-                <a:spcPct val="160000"/>
-              </a:lnSpc>
-              <a:spcBef>
-                <a:spcPts val="0"/>
-              </a:spcBef>
-              <a:spcAft>
-                <a:spcPts val="0"/>
-              </a:spcAft>
-              <a:buNone/>
-            </a:pPr>
-            <a:r>
-              <a:rPr lang="en-US" sz="1500" b="0" i="0" u="none" strike="noStrike" cap="none">
-                <a:solidFill>
-                  <a:srgbClr val="CCCCCC"/>
-                </a:solidFill>
-                <a:latin typeface="Urbanist"/>
-                <a:ea typeface="Urbanist"/>
-                <a:cs typeface="Urbanist"/>
-                <a:sym typeface="Urbanist"/>
-              </a:rPr>
-              <a:t>Thank you for your attention.</a:t>
-            </a:r>
-            <a:endParaRPr/>
+            <a:endParaRPr lang="en-US" sz="7500" b="1" i="0" u="none" strike="noStrike" cap="none" dirty="0">
+              <a:solidFill>
+                <a:srgbClr val="DEFF9A"/>
+              </a:solidFill>
+              <a:latin typeface="Urbanist"/>
+              <a:ea typeface="Urbanist"/>
+              <a:cs typeface="Urbanist"/>
+              <a:sym typeface="Urbanist"/>
+            </a:endParaRPr>
           </a:p>
         </p:txBody>
       </p:sp>

--- a/Credit Card Fraud Detection.pptx
+++ b/Credit Card Fraud Detection.pptx
@@ -998,8 +998,8 @@
         </p:nvSpPr>
         <p:spPr>
           <a:xfrm>
-            <a:off x="1143225" y="685800"/>
-            <a:ext cx="4572225" cy="3429000"/>
+            <a:off x="381000" y="685800"/>
+            <a:ext cx="6096000" cy="3429000"/>
           </a:xfrm>
           <a:custGeom>
             <a:avLst/>
@@ -1206,8 +1206,8 @@
         </p:nvSpPr>
         <p:spPr>
           <a:xfrm>
-            <a:off x="381000" y="685800"/>
-            <a:ext cx="6096000" cy="3429000"/>
+            <a:off x="1143225" y="685800"/>
+            <a:ext cx="4572225" cy="3429000"/>
           </a:xfrm>
           <a:custGeom>
             <a:avLst/>
@@ -2061,8 +2061,8 @@
         </p:nvSpPr>
         <p:spPr>
           <a:xfrm>
-            <a:off x="1143225" y="685800"/>
-            <a:ext cx="4572225" cy="3429000"/>
+            <a:off x="381000" y="685800"/>
+            <a:ext cx="6096000" cy="3429000"/>
           </a:xfrm>
           <a:custGeom>
             <a:avLst/>
@@ -12474,7 +12474,7 @@
       </p:sp>
       <p:pic>
         <p:nvPicPr>
-          <p:cNvPr id="5" name="Picture 4" descr="A graph of a function&#10;&#10;AI-generated content may be incorrect.">
+          <p:cNvPr id="2" name="Picture 1" descr="A graph of a function&#10;&#10;AI-generated content may be incorrect.">
             <a:extLst>
               <a:ext uri="{FF2B5EF4-FFF2-40B4-BE49-F238E27FC236}">
                 <a16:creationId xmlns:a16="http://schemas.microsoft.com/office/drawing/2014/main" id="{9AC9D203-F175-7B19-FFBF-C4A21B9571BE}"/>
@@ -12494,8 +12494,8 @@
         </p:blipFill>
         <p:spPr>
           <a:xfrm>
-            <a:off x="2731569" y="1133475"/>
-            <a:ext cx="6728861" cy="5517510"/>
+            <a:off x="3019325" y="1392381"/>
+            <a:ext cx="6153350" cy="5045604"/>
           </a:xfrm>
           <a:prstGeom prst="rect">
             <a:avLst/>
@@ -12604,7 +12604,7 @@
         </p:blipFill>
         <p:spPr>
           <a:xfrm>
-            <a:off x="4352925" y="2176462"/>
+            <a:off x="4305300" y="2176462"/>
             <a:ext cx="3486150" cy="3438525"/>
           </a:xfrm>
           <a:prstGeom prst="rect">
@@ -12731,7 +12731,7 @@
               <a:buNone/>
             </a:pPr>
             <a:r>
-              <a:rPr lang="en-US" sz="1500" b="0" i="0" u="none" strike="noStrike" cap="none">
+              <a:rPr lang="en-US" sz="1500" b="0" i="0" u="none" strike="noStrike" cap="none" dirty="0">
                 <a:solidFill>
                   <a:srgbClr val="CCCCCC"/>
                 </a:solidFill>
@@ -12742,7 +12742,7 @@
               </a:rPr>
               <a:t>Random Forest was robust against the imbalance and handled the feature interactions (like Chip + Distance) perfectly.</a:t>
             </a:r>
-            <a:endParaRPr/>
+            <a:endParaRPr dirty="0"/>
           </a:p>
         </p:txBody>
       </p:sp>
@@ -12754,8 +12754,8 @@
         </p:nvSpPr>
         <p:spPr>
           <a:xfrm>
-            <a:off x="4648200" y="3119437"/>
-            <a:ext cx="3040380" cy="323850"/>
+            <a:off x="4526280" y="3059028"/>
+            <a:ext cx="3265170" cy="323165"/>
           </a:xfrm>
           <a:prstGeom prst="rect">
             <a:avLst/>
@@ -12781,7 +12781,7 @@
               <a:buNone/>
             </a:pPr>
             <a:r>
-              <a:rPr lang="en-US" sz="2100" b="1" i="0" u="none" strike="noStrike" cap="none">
+              <a:rPr lang="en-US" sz="2100" b="1" dirty="0">
                 <a:solidFill>
                   <a:srgbClr val="DEFF9A"/>
                 </a:solidFill>
@@ -12790,9 +12790,9 @@
                 <a:cs typeface="Urbanist"/>
                 <a:sym typeface="Urbanist"/>
               </a:rPr>
-              <a:t>Importance of Scaling</a:t>
+              <a:t>SVM Class Imbalance Fail </a:t>
             </a:r>
-            <a:endParaRPr/>
+            <a:endParaRPr dirty="0"/>
           </a:p>
         </p:txBody>
       </p:sp>
@@ -12805,7 +12805,7 @@
         <p:spPr>
           <a:xfrm>
             <a:off x="4648200" y="3633787"/>
-            <a:ext cx="2895600" cy="1219200"/>
+            <a:ext cx="2895600" cy="1477328"/>
           </a:xfrm>
           <a:prstGeom prst="rect">
             <a:avLst/>
@@ -12834,7 +12834,7 @@
               <a:buNone/>
             </a:pPr>
             <a:r>
-              <a:rPr lang="en-US" sz="1500" b="0" i="0" u="none" strike="noStrike" cap="none">
+              <a:rPr lang="en-US" sz="1500" b="0" i="0" u="none" strike="noStrike" cap="none" dirty="0">
                 <a:solidFill>
                   <a:srgbClr val="CCCCCC"/>
                 </a:solidFill>
@@ -12843,9 +12843,9 @@
                 <a:cs typeface="Urbanist"/>
                 <a:sym typeface="Urbanist"/>
               </a:rPr>
-              <a:t>StandardScaler was crucial for the Logistic Regression and SVC models to converge, though Tree models were less affected.</a:t>
+              <a:t>Due to the large and imbalanced data, SVM failed. Moving forward, applying techniques to correct the imbalance should be considered. </a:t>
             </a:r>
-            <a:endParaRPr/>
+            <a:endParaRPr lang="en-US" dirty="0"/>
           </a:p>
         </p:txBody>
       </p:sp>
@@ -12857,7 +12857,7 @@
         </p:nvSpPr>
         <p:spPr>
           <a:xfrm>
-            <a:off x="8420100" y="3119437"/>
+            <a:off x="8420100" y="3095624"/>
             <a:ext cx="3040380" cy="323850"/>
           </a:xfrm>
           <a:prstGeom prst="rect">
@@ -12884,7 +12884,7 @@
               <a:buNone/>
             </a:pPr>
             <a:r>
-              <a:rPr lang="en-US" sz="2100" b="1" i="0" u="none" strike="noStrike" cap="none">
+              <a:rPr lang="en-US" sz="2100" b="1" i="0" u="none" strike="noStrike" cap="none" dirty="0">
                 <a:solidFill>
                   <a:srgbClr val="DEFF9A"/>
                 </a:solidFill>
@@ -12895,7 +12895,7 @@
               </a:rPr>
               <a:t>Stratification</a:t>
             </a:r>
-            <a:endParaRPr/>
+            <a:endParaRPr dirty="0"/>
           </a:p>
         </p:txBody>
       </p:sp>
@@ -12937,7 +12937,7 @@
               <a:buNone/>
             </a:pPr>
             <a:r>
-              <a:rPr lang="en-US" sz="1500" b="0" i="0" u="none" strike="noStrike" cap="none">
+              <a:rPr lang="en-US" sz="1500" b="0" i="0" u="none" strike="noStrike" cap="none" dirty="0">
                 <a:solidFill>
                   <a:srgbClr val="CCCCCC"/>
                 </a:solidFill>
@@ -12946,9 +12946,33 @@
                 <a:cs typeface="Urbanist"/>
                 <a:sym typeface="Urbanist"/>
               </a:rPr>
-              <a:t>Using stratify=df['fraud'] during the train-test split ensured our validation metrics were reliable and not skewed.</a:t>
+              <a:t>Using stratify=</a:t>
             </a:r>
-            <a:endParaRPr/>
+            <a:r>
+              <a:rPr lang="en-US" sz="1500" b="0" i="0" u="none" strike="noStrike" cap="none" dirty="0" err="1">
+                <a:solidFill>
+                  <a:srgbClr val="CCCCCC"/>
+                </a:solidFill>
+                <a:latin typeface="Urbanist"/>
+                <a:ea typeface="Urbanist"/>
+                <a:cs typeface="Urbanist"/>
+                <a:sym typeface="Urbanist"/>
+              </a:rPr>
+              <a:t>df</a:t>
+            </a:r>
+            <a:r>
+              <a:rPr lang="en-US" sz="1500" b="0" i="0" u="none" strike="noStrike" cap="none" dirty="0">
+                <a:solidFill>
+                  <a:srgbClr val="CCCCCC"/>
+                </a:solidFill>
+                <a:latin typeface="Urbanist"/>
+                <a:ea typeface="Urbanist"/>
+                <a:cs typeface="Urbanist"/>
+                <a:sym typeface="Urbanist"/>
+              </a:rPr>
+              <a:t>['fraud'] during the train-test split ensured our validation metrics were reliable and not skewed.</a:t>
+            </a:r>
+            <a:endParaRPr dirty="0"/>
           </a:p>
         </p:txBody>
       </p:sp>
@@ -13355,7 +13379,7 @@
         <p:spPr>
           <a:xfrm>
             <a:off x="305276" y="2538412"/>
-            <a:ext cx="11581447" cy="2308324"/>
+            <a:ext cx="11581447" cy="1143000"/>
           </a:xfrm>
           <a:prstGeom prst="rect">
             <a:avLst/>
@@ -13380,18 +13404,6 @@
               </a:spcAft>
               <a:buNone/>
             </a:pPr>
-            <a:r>
-              <a:rPr lang="en-US" sz="7500" b="1" i="0" u="none" strike="noStrike" cap="none" dirty="0">
-                <a:solidFill>
-                  <a:srgbClr val="DEFF9A"/>
-                </a:solidFill>
-                <a:latin typeface="Urbanist"/>
-                <a:ea typeface="Urbanist"/>
-                <a:cs typeface="Urbanist"/>
-                <a:sym typeface="Urbanist"/>
-              </a:rPr>
-              <a:t>Thank you for </a:t>
-            </a:r>
             <a:r>
               <a:rPr lang="en-US" sz="7500" b="1" i="0" u="none" strike="noStrike" cap="none">
                 <a:solidFill>
@@ -13402,17 +13414,62 @@
                 <a:cs typeface="Urbanist"/>
                 <a:sym typeface="Urbanist"/>
               </a:rPr>
-              <a:t>your attention</a:t>
+              <a:t>Q &amp; A</a:t>
             </a:r>
-            <a:endParaRPr lang="en-US" sz="7500" b="1" i="0" u="none" strike="noStrike" cap="none" dirty="0">
-              <a:solidFill>
-                <a:srgbClr val="DEFF9A"/>
-              </a:solidFill>
-              <a:latin typeface="Urbanist"/>
-              <a:ea typeface="Urbanist"/>
-              <a:cs typeface="Urbanist"/>
-              <a:sym typeface="Urbanist"/>
-            </a:endParaRPr>
+            <a:endParaRPr/>
+          </a:p>
+        </p:txBody>
+      </p:sp>
+      <p:sp>
+        <p:nvSpPr>
+          <p:cNvPr id="272" name="Google Shape;272;p24"/>
+          <p:cNvSpPr txBox="1"/>
+          <p:nvPr/>
+        </p:nvSpPr>
+        <p:spPr>
+          <a:xfrm>
+            <a:off x="581025" y="3871912"/>
+            <a:ext cx="11029950" cy="304800"/>
+          </a:xfrm>
+          <a:prstGeom prst="rect">
+            <a:avLst/>
+          </a:prstGeom>
+          <a:noFill/>
+          <a:ln>
+            <a:noFill/>
+          </a:ln>
+        </p:spPr>
+        <p:txBody>
+          <a:bodyPr spcFirstLastPara="1" wrap="square" lIns="0" tIns="0" rIns="0" bIns="0" anchor="t" anchorCtr="0">
+            <a:spAutoFit/>
+          </a:bodyPr>
+          <a:lstStyle/>
+          <a:p>
+            <a:pPr marL="0" marR="0" lvl="0" indent="0" algn="ctr" rtl="0">
+              <a:lnSpc>
+                <a:spcPct val="160000"/>
+              </a:lnSpc>
+              <a:spcBef>
+                <a:spcPts val="0"/>
+              </a:spcBef>
+              <a:spcAft>
+                <a:spcPts val="0"/>
+              </a:spcAft>
+              <a:buNone/>
+            </a:pPr>
+            <a:r>
+              <a:rPr lang="en-US" sz="1500" b="0" i="0" u="none" strike="noStrike" cap="none">
+                <a:solidFill>
+                  <a:srgbClr val="CCCCCC"/>
+                </a:solidFill>
+                <a:latin typeface="Urbanist"/>
+                <a:ea typeface="Urbanist"/>
+                <a:cs typeface="Urbanist"/>
+                <a:sym typeface="Urbanist"/>
+              </a:rPr>
+              <a:t>Thank you for your attention.</a:t>
+            </a:r>
+            <a:endParaRPr/>
           </a:p>
         </p:txBody>
       </p:sp>
@@ -14786,7 +14843,7 @@
         </p:blipFill>
         <p:spPr>
           <a:xfrm>
-            <a:off x="0" y="222422"/>
+            <a:off x="0" y="0"/>
             <a:ext cx="12192000" cy="6858000"/>
           </a:xfrm>
           <a:prstGeom prst="rect">
@@ -14991,7 +15048,7 @@
         <p:spPr>
           <a:xfrm>
             <a:off x="876300" y="4010025"/>
-            <a:ext cx="2895600" cy="1107996"/>
+            <a:ext cx="2895600" cy="1477328"/>
           </a:xfrm>
           <a:prstGeom prst="rect">
             <a:avLst/>
@@ -15029,7 +15086,7 @@
                 <a:cs typeface="Urbanist"/>
                 <a:sym typeface="Urbanist"/>
               </a:rPr>
-              <a:t>A dataset from Kaggle containing transaction features and a binary target variable.</a:t>
+              <a:t>A dataset from Kaggle containing transaction features and a binary target variable. Each record is a transaction. </a:t>
             </a:r>
             <a:endParaRPr dirty="0"/>
           </a:p>
@@ -15043,8 +15100,8 @@
         </p:nvSpPr>
         <p:spPr>
           <a:xfrm>
-            <a:off x="4648200" y="2815322"/>
-            <a:ext cx="3040380" cy="646331"/>
+            <a:off x="4648200" y="3000375"/>
+            <a:ext cx="3040380" cy="323850"/>
           </a:xfrm>
           <a:prstGeom prst="rect">
             <a:avLst/>
@@ -15070,7 +15127,7 @@
               <a:buNone/>
             </a:pPr>
             <a:r>
-              <a:rPr lang="en-US" sz="2100" b="1" i="0" u="none" strike="noStrike" cap="none" dirty="0">
+              <a:rPr lang="en-US" sz="2100" b="1" i="0" u="none" strike="noStrike" cap="none">
                 <a:solidFill>
                   <a:srgbClr val="DEFF9A"/>
                 </a:solidFill>
@@ -15079,9 +15136,9 @@
                 <a:cs typeface="Urbanist"/>
                 <a:sym typeface="Urbanist"/>
               </a:rPr>
-              <a:t>Continuous Numerical Features</a:t>
+              <a:t>Continuous Features</a:t>
             </a:r>
-            <a:endParaRPr dirty="0"/>
+            <a:endParaRPr/>
           </a:p>
         </p:txBody>
       </p:sp>
@@ -15093,8 +15150,8 @@
         </p:nvSpPr>
         <p:spPr>
           <a:xfrm>
-            <a:off x="8388668" y="2791534"/>
-            <a:ext cx="3040380" cy="646331"/>
+            <a:off x="8420100" y="3000375"/>
+            <a:ext cx="3040380" cy="323850"/>
           </a:xfrm>
           <a:prstGeom prst="rect">
             <a:avLst/>
@@ -15120,7 +15177,7 @@
               <a:buNone/>
             </a:pPr>
             <a:r>
-              <a:rPr lang="en-US" sz="2100" b="1" i="0" u="none" strike="noStrike" cap="none" dirty="0">
+              <a:rPr lang="en-US" sz="2100" b="1" i="0" u="none" strike="noStrike" cap="none">
                 <a:solidFill>
                   <a:srgbClr val="DEFF9A"/>
                 </a:solidFill>
@@ -15129,9 +15186,9 @@
                 <a:cs typeface="Urbanist"/>
                 <a:sym typeface="Urbanist"/>
               </a:rPr>
-              <a:t>Categorical (Binary) Features</a:t>
+              <a:t>Binary Features</a:t>
             </a:r>
-            <a:endParaRPr dirty="0"/>
+            <a:endParaRPr/>
           </a:p>
         </p:txBody>
       </p:sp>
@@ -15247,7 +15304,7 @@
         </p:nvSpPr>
         <p:spPr>
           <a:xfrm>
-            <a:off x="5053013" y="3400425"/>
+            <a:off x="5029200" y="3476625"/>
             <a:ext cx="2514600" cy="304800"/>
           </a:xfrm>
           <a:prstGeom prst="rect">
@@ -15277,7 +15334,7 @@
               <a:buNone/>
             </a:pPr>
             <a:r>
-              <a:rPr lang="en-US" sz="1500" b="0" i="0" u="none" strike="noStrike" cap="none" dirty="0">
+              <a:rPr lang="en-US" sz="1500" b="0" i="0" u="none" strike="noStrike" cap="none">
                 <a:solidFill>
                   <a:srgbClr val="CCCCCC"/>
                 </a:solidFill>
@@ -15288,7 +15345,7 @@
               </a:rPr>
               <a:t>Distance from home</a:t>
             </a:r>
-            <a:endParaRPr dirty="0"/>
+            <a:endParaRPr/>
           </a:p>
         </p:txBody>
       </p:sp>
@@ -15350,7 +15407,7 @@
         </p:nvSpPr>
         <p:spPr>
           <a:xfrm>
-            <a:off x="5076825" y="3877240"/>
+            <a:off x="5029200" y="3924300"/>
             <a:ext cx="2514600" cy="609600"/>
           </a:xfrm>
           <a:prstGeom prst="rect">
@@ -15380,7 +15437,7 @@
               <a:buNone/>
             </a:pPr>
             <a:r>
-              <a:rPr lang="en-US" sz="1500" b="0" i="0" u="none" strike="noStrike" cap="none" dirty="0">
+              <a:rPr lang="en-US" sz="1500" b="0" i="0" u="none" strike="noStrike" cap="none">
                 <a:solidFill>
                   <a:srgbClr val="CCCCCC"/>
                 </a:solidFill>
@@ -15391,7 +15448,7 @@
               </a:rPr>
               <a:t>Distance from last transaction</a:t>
             </a:r>
-            <a:endParaRPr dirty="0"/>
+            <a:endParaRPr/>
           </a:p>
         </p:txBody>
       </p:sp>
@@ -15453,7 +15510,7 @@
         </p:nvSpPr>
         <p:spPr>
           <a:xfrm>
-            <a:off x="5076825" y="4604405"/>
+            <a:off x="5029200" y="4676775"/>
             <a:ext cx="2514600" cy="609600"/>
           </a:xfrm>
           <a:prstGeom prst="rect">
@@ -15483,7 +15540,7 @@
               <a:buNone/>
             </a:pPr>
             <a:r>
-              <a:rPr lang="en-US" sz="1500" b="0" i="0" u="none" strike="noStrike" cap="none" dirty="0">
+              <a:rPr lang="en-US" sz="1500" b="0" i="0" u="none" strike="noStrike" cap="none">
                 <a:solidFill>
                   <a:srgbClr val="CCCCCC"/>
                 </a:solidFill>
@@ -15494,7 +15551,7 @@
               </a:rPr>
               <a:t>Ratio to median purchase price</a:t>
             </a:r>
-            <a:endParaRPr dirty="0"/>
+            <a:endParaRPr/>
           </a:p>
         </p:txBody>
       </p:sp>
@@ -15583,7 +15640,7 @@
         </p:nvSpPr>
         <p:spPr>
           <a:xfrm>
-            <a:off x="8848725" y="3400425"/>
+            <a:off x="8801100" y="3451225"/>
             <a:ext cx="2514600" cy="304800"/>
           </a:xfrm>
           <a:prstGeom prst="rect">
@@ -15686,7 +15743,7 @@
         </p:nvSpPr>
         <p:spPr>
           <a:xfrm>
-            <a:off x="8848725" y="3872382"/>
+            <a:off x="8801100" y="3883025"/>
             <a:ext cx="2514600" cy="738664"/>
           </a:xfrm>
           <a:prstGeom prst="rect">
@@ -15725,42 +15782,7 @@
                 <a:cs typeface="Urbanist"/>
                 <a:sym typeface="Urbanist"/>
               </a:rPr>
-              <a:t>Used Chip </a:t>
-            </a:r>
-            <a:endParaRPr lang="en-US" sz="1500" dirty="0">
-              <a:solidFill>
-                <a:srgbClr val="CCCCCC"/>
-              </a:solidFill>
-              <a:latin typeface="Urbanist"/>
-              <a:ea typeface="Urbanist"/>
-              <a:cs typeface="Urbanist"/>
-              <a:sym typeface="Urbanist"/>
-            </a:endParaRPr>
-          </a:p>
-          <a:p>
-            <a:pPr marL="0" marR="0" lvl="0" indent="0" algn="l" rtl="0">
-              <a:lnSpc>
-                <a:spcPct val="160000"/>
-              </a:lnSpc>
-              <a:spcBef>
-                <a:spcPts val="0"/>
-              </a:spcBef>
-              <a:spcAft>
-                <a:spcPts val="0"/>
-              </a:spcAft>
-              <a:buNone/>
-            </a:pPr>
-            <a:r>
-              <a:rPr lang="en-US" sz="1500" b="0" i="0" u="none" strike="noStrike" cap="none" dirty="0">
-                <a:solidFill>
-                  <a:srgbClr val="CCCCCC"/>
-                </a:solidFill>
-                <a:latin typeface="Urbanist"/>
-                <a:ea typeface="Urbanist"/>
-                <a:cs typeface="Urbanist"/>
-                <a:sym typeface="Urbanist"/>
-              </a:rPr>
-              <a:t>Used PIN</a:t>
+              <a:t>If Transaction Used Chip / PIN</a:t>
             </a:r>
             <a:endParaRPr dirty="0"/>
           </a:p>
@@ -15774,8 +15796,8 @@
         </p:nvSpPr>
         <p:spPr>
           <a:xfrm>
-            <a:off x="8763000" y="4334903"/>
-            <a:ext cx="451338" cy="239072"/>
+            <a:off x="8763000" y="5161434"/>
+            <a:ext cx="285750" cy="230832"/>
           </a:xfrm>
           <a:prstGeom prst="rect">
             <a:avLst/>
@@ -15824,7 +15846,7 @@
         </p:nvSpPr>
         <p:spPr>
           <a:xfrm>
-            <a:off x="8848725" y="4709079"/>
+            <a:off x="8801100" y="4729044"/>
             <a:ext cx="2514600" cy="304800"/>
           </a:xfrm>
           <a:prstGeom prst="rect">
@@ -15877,8 +15899,8 @@
         </p:nvSpPr>
         <p:spPr>
           <a:xfrm>
-            <a:off x="8763000" y="4793789"/>
-            <a:ext cx="590034" cy="230832"/>
+            <a:off x="8763000" y="4819650"/>
+            <a:ext cx="38100" cy="304800"/>
           </a:xfrm>
           <a:prstGeom prst="rect">
             <a:avLst/>
@@ -15904,7 +15926,7 @@
               <a:buNone/>
             </a:pPr>
             <a:r>
-              <a:rPr lang="en-US" sz="1500" b="0" i="0" u="none" strike="noStrike" cap="none" dirty="0">
+              <a:rPr lang="en-US" sz="1500" b="0" i="0" u="none" strike="noStrike" cap="none">
                 <a:solidFill>
                   <a:srgbClr val="CCCCCC"/>
                 </a:solidFill>
@@ -15915,7 +15937,7 @@
               </a:rPr>
               <a:t>•</a:t>
             </a:r>
-            <a:endParaRPr dirty="0"/>
+            <a:endParaRPr/>
           </a:p>
         </p:txBody>
       </p:sp>
@@ -15927,8 +15949,8 @@
         </p:nvSpPr>
         <p:spPr>
           <a:xfrm>
-            <a:off x="8848725" y="5094761"/>
-            <a:ext cx="2514600" cy="369332"/>
+            <a:off x="8782050" y="5067221"/>
+            <a:ext cx="2514600" cy="304800"/>
           </a:xfrm>
           <a:prstGeom prst="rect">
             <a:avLst/>
@@ -15966,7 +15988,7 @@
                 <a:cs typeface="Urbanist"/>
                 <a:sym typeface="Urbanist"/>
               </a:rPr>
-              <a:t>Fraud (0/1)</a:t>
+              <a:t>Target: Fraud (0/1)</a:t>
             </a:r>
             <a:endParaRPr dirty="0"/>
           </a:p>
@@ -16309,62 +16331,6 @@
           </a:extLst>
         </p:spPr>
       </p:pic>
-      <p:sp>
-        <p:nvSpPr>
-          <p:cNvPr id="4" name="Google Shape;132;p15">
-            <a:extLst>
-              <a:ext uri="{FF2B5EF4-FFF2-40B4-BE49-F238E27FC236}">
-                <a16:creationId xmlns:a16="http://schemas.microsoft.com/office/drawing/2014/main" id="{76D223B9-854F-7A61-2EB9-3E6D3E05BE46}"/>
-              </a:ext>
-            </a:extLst>
-          </p:cNvPr>
-          <p:cNvSpPr txBox="1"/>
-          <p:nvPr/>
-        </p:nvSpPr>
-        <p:spPr>
-          <a:xfrm>
-            <a:off x="8763000" y="5181649"/>
-            <a:ext cx="590034" cy="230832"/>
-          </a:xfrm>
-          <a:prstGeom prst="rect">
-            <a:avLst/>
-          </a:prstGeom>
-          <a:noFill/>
-          <a:ln>
-            <a:noFill/>
-          </a:ln>
-        </p:spPr>
-        <p:txBody>
-          <a:bodyPr spcFirstLastPara="1" wrap="square" lIns="0" tIns="0" rIns="0" bIns="0" anchor="t" anchorCtr="0">
-            <a:spAutoFit/>
-          </a:bodyPr>
-          <a:lstStyle/>
-          <a:p>
-            <a:pPr marL="0" marR="0" lvl="0" indent="0" algn="l" rtl="0">
-              <a:spcBef>
-                <a:spcPts val="0"/>
-              </a:spcBef>
-              <a:spcAft>
-                <a:spcPts val="0"/>
-              </a:spcAft>
-              <a:buNone/>
-            </a:pPr>
-            <a:r>
-              <a:rPr lang="en-US" sz="1500" b="0" i="0" u="none" strike="noStrike" cap="none" dirty="0">
-                <a:solidFill>
-                  <a:srgbClr val="CCCCCC"/>
-                </a:solidFill>
-                <a:latin typeface="Urbanist"/>
-                <a:ea typeface="Urbanist"/>
-                <a:cs typeface="Urbanist"/>
-                <a:sym typeface="Urbanist"/>
-              </a:rPr>
-              <a:t>•</a:t>
-            </a:r>
-            <a:endParaRPr dirty="0"/>
-          </a:p>
-        </p:txBody>
-      </p:sp>
     </p:spTree>
   </p:cSld>
   <p:clrMapOvr>
@@ -16574,87 +16540,6 @@
           </a:prstGeom>
         </p:spPr>
       </p:pic>
-      <p:sp>
-        <p:nvSpPr>
-          <p:cNvPr id="8" name="TextBox 7">
-            <a:extLst>
-              <a:ext uri="{FF2B5EF4-FFF2-40B4-BE49-F238E27FC236}">
-                <a16:creationId xmlns:a16="http://schemas.microsoft.com/office/drawing/2014/main" id="{BA8846C2-D652-07CC-FC37-4845C614B551}"/>
-              </a:ext>
-            </a:extLst>
-          </p:cNvPr>
-          <p:cNvSpPr txBox="1"/>
-          <p:nvPr/>
-        </p:nvSpPr>
-        <p:spPr>
-          <a:xfrm>
-            <a:off x="581025" y="5376418"/>
-            <a:ext cx="4091631" cy="523220"/>
-          </a:xfrm>
-          <a:prstGeom prst="rect">
-            <a:avLst/>
-          </a:prstGeom>
-          <a:noFill/>
-        </p:spPr>
-        <p:txBody>
-          <a:bodyPr wrap="square" rtlCol="0">
-            <a:spAutoFit/>
-          </a:bodyPr>
-          <a:lstStyle/>
-          <a:p>
-            <a:r>
-              <a:rPr lang="en-US" b="1" u="sng" dirty="0">
-                <a:solidFill>
-                  <a:schemeClr val="bg1"/>
-                </a:solidFill>
-              </a:rPr>
-              <a:t>Chip Used:</a:t>
-            </a:r>
-            <a:r>
-              <a:rPr lang="en-US" b="1" dirty="0">
-                <a:solidFill>
-                  <a:schemeClr val="bg1"/>
-                </a:solidFill>
-              </a:rPr>
-              <a:t> </a:t>
-            </a:r>
-            <a:r>
-              <a:rPr lang="en-US" dirty="0">
-                <a:solidFill>
-                  <a:schemeClr val="bg1"/>
-                </a:solidFill>
-              </a:rPr>
-              <a:t>0.068 fraud ratio</a:t>
-            </a:r>
-          </a:p>
-          <a:p>
-            <a:r>
-              <a:rPr lang="en-US" b="1" u="sng" dirty="0">
-                <a:solidFill>
-                  <a:schemeClr val="bg1"/>
-                </a:solidFill>
-              </a:rPr>
-              <a:t>Chip Not Used:</a:t>
-            </a:r>
-            <a:r>
-              <a:rPr lang="en-US" b="1" dirty="0">
-                <a:solidFill>
-                  <a:schemeClr val="bg1"/>
-                </a:solidFill>
-              </a:rPr>
-              <a:t> </a:t>
-            </a:r>
-            <a:r>
-              <a:rPr lang="en-US" dirty="0">
-                <a:solidFill>
-                  <a:schemeClr val="bg1"/>
-                </a:solidFill>
-              </a:rPr>
-              <a:t>0.111 fraud ratio</a:t>
-            </a:r>
-          </a:p>
-        </p:txBody>
-      </p:sp>
     </p:spTree>
     <p:extLst>
       <p:ext uri="{BB962C8B-B14F-4D97-AF65-F5344CB8AC3E}">
@@ -16831,8 +16716,8 @@
         </p:nvSpPr>
         <p:spPr>
           <a:xfrm>
-            <a:off x="6381750" y="2791866"/>
-            <a:ext cx="5229225" cy="679995"/>
+            <a:off x="6381750" y="2669219"/>
+            <a:ext cx="5229225" cy="921021"/>
           </a:xfrm>
           <a:prstGeom prst="rect">
             <a:avLst/>
@@ -16861,7 +16746,7 @@
               <a:buNone/>
             </a:pPr>
             <a:r>
-              <a:rPr lang="en-US" sz="1500" b="1" i="0" u="none" strike="noStrike" cap="none">
+              <a:rPr lang="en-US" sz="1500" b="1" i="0" u="none" strike="noStrike" cap="none" dirty="0">
                 <a:solidFill>
                   <a:srgbClr val="DEFF9A"/>
                 </a:solidFill>
@@ -16870,10 +16755,10 @@
                 <a:cs typeface="Urbanist"/>
                 <a:sym typeface="Urbanist"/>
               </a:rPr>
-              <a:t>2. Type Casting</a:t>
+              <a:t>2. Fraud Correlation</a:t>
             </a:r>
             <a:br>
-              <a:rPr lang="en-US" sz="1800" b="0" i="0" u="none" strike="noStrike" cap="none">
+              <a:rPr lang="en-US" sz="1800" b="0" i="0" u="none" strike="noStrike" cap="none" dirty="0">
                 <a:solidFill>
                   <a:schemeClr val="dk1"/>
                 </a:solidFill>
@@ -16884,7 +16769,7 @@
               </a:rPr>
             </a:br>
             <a:r>
-              <a:rPr lang="en-US" sz="1500" b="0" i="0" u="none" strike="noStrike" cap="none">
+              <a:rPr lang="en-US" sz="1500" b="0" i="0" u="none" strike="noStrike" cap="none" dirty="0">
                 <a:solidFill>
                   <a:srgbClr val="CCCCCC"/>
                 </a:solidFill>
@@ -16893,9 +16778,9 @@
                 <a:cs typeface="Urbanist"/>
                 <a:sym typeface="Urbanist"/>
               </a:rPr>
-              <a:t> Converted binary columns to int8 for memory efficiency.</a:t>
+              <a:t> Checked which features have the strongest correlation to the target variable. </a:t>
             </a:r>
-            <a:endParaRPr/>
+            <a:endParaRPr dirty="0"/>
           </a:p>
         </p:txBody>
       </p:sp>
@@ -16937,7 +16822,7 @@
               <a:buNone/>
             </a:pPr>
             <a:r>
-              <a:rPr lang="en-US" sz="1500" b="1" i="0" u="none" strike="noStrike" cap="none">
+              <a:rPr lang="en-US" sz="1500" b="1" i="0" u="none" strike="noStrike" cap="none" dirty="0">
                 <a:solidFill>
                   <a:srgbClr val="DEFF9A"/>
                 </a:solidFill>
@@ -16949,7 +16834,7 @@
               <a:t>3. Stratified Split</a:t>
             </a:r>
             <a:br>
-              <a:rPr lang="en-US" sz="1800" b="0" i="0" u="none" strike="noStrike" cap="none">
+              <a:rPr lang="en-US" sz="1800" b="0" i="0" u="none" strike="noStrike" cap="none" dirty="0">
                 <a:solidFill>
                   <a:schemeClr val="dk1"/>
                 </a:solidFill>
@@ -16960,7 +16845,7 @@
               </a:rPr>
             </a:br>
             <a:r>
-              <a:rPr lang="en-US" sz="1500" b="0" i="0" u="none" strike="noStrike" cap="none">
+              <a:rPr lang="en-US" sz="1500" b="0" i="0" u="none" strike="noStrike" cap="none" dirty="0">
                 <a:solidFill>
                   <a:srgbClr val="CCCCCC"/>
                 </a:solidFill>
@@ -16969,9 +16854,33 @@
                 <a:cs typeface="Urbanist"/>
                 <a:sym typeface="Urbanist"/>
               </a:rPr>
-              <a:t> Split data 80/20 while maintaining the ratio of fraud cases (Stratify = y).</a:t>
+              <a:t> </a:t>
             </a:r>
-            <a:endParaRPr/>
+            <a:r>
+              <a:rPr lang="en-US" sz="1500" b="0" i="0" u="none" strike="noStrike" cap="none" dirty="0" err="1">
+                <a:solidFill>
+                  <a:srgbClr val="CCCCCC"/>
+                </a:solidFill>
+                <a:latin typeface="Urbanist"/>
+                <a:ea typeface="Urbanist"/>
+                <a:cs typeface="Urbanist"/>
+                <a:sym typeface="Urbanist"/>
+              </a:rPr>
+              <a:t>Split</a:t>
+            </a:r>
+            <a:r>
+              <a:rPr lang="en-US" sz="1500" b="0" i="0" u="none" strike="noStrike" cap="none" dirty="0">
+                <a:solidFill>
+                  <a:srgbClr val="CCCCCC"/>
+                </a:solidFill>
+                <a:latin typeface="Urbanist"/>
+                <a:ea typeface="Urbanist"/>
+                <a:cs typeface="Urbanist"/>
+                <a:sym typeface="Urbanist"/>
+              </a:rPr>
+              <a:t> data 80/20 while maintaining the ratio of fraud cases (Stratify = y).</a:t>
+            </a:r>
+            <a:endParaRPr dirty="0"/>
           </a:p>
         </p:txBody>
       </p:sp>
@@ -17013,7 +16922,7 @@
               <a:buNone/>
             </a:pPr>
             <a:r>
-              <a:rPr lang="en-US" sz="1500" b="1" i="0" u="none" strike="noStrike" cap="none">
+              <a:rPr lang="en-US" sz="1500" b="1" i="0" u="none" strike="noStrike" cap="none" dirty="0">
                 <a:solidFill>
                   <a:srgbClr val="DEFF9A"/>
                 </a:solidFill>
@@ -17025,7 +16934,7 @@
               <a:t>4. Scaling</a:t>
             </a:r>
             <a:br>
-              <a:rPr lang="en-US" sz="1800" b="0" i="0" u="none" strike="noStrike" cap="none">
+              <a:rPr lang="en-US" sz="1800" b="0" i="0" u="none" strike="noStrike" cap="none" dirty="0">
                 <a:solidFill>
                   <a:schemeClr val="dk1"/>
                 </a:solidFill>
@@ -17036,7 +16945,7 @@
               </a:rPr>
             </a:br>
             <a:r>
-              <a:rPr lang="en-US" sz="1500" b="0" i="0" u="none" strike="noStrike" cap="none">
+              <a:rPr lang="en-US" sz="1500" b="0" i="0" u="none" strike="noStrike" cap="none" dirty="0">
                 <a:solidFill>
                   <a:srgbClr val="CCCCCC"/>
                 </a:solidFill>
@@ -17045,9 +16954,33 @@
                 <a:cs typeface="Urbanist"/>
                 <a:sym typeface="Urbanist"/>
               </a:rPr>
-              <a:t> Applied StandardScaler to continuous variables to normalize distance and price ratios.</a:t>
+              <a:t> Applied </a:t>
             </a:r>
-            <a:endParaRPr/>
+            <a:r>
+              <a:rPr lang="en-US" sz="1500" b="0" i="0" u="none" strike="noStrike" cap="none" dirty="0" err="1">
+                <a:solidFill>
+                  <a:srgbClr val="CCCCCC"/>
+                </a:solidFill>
+                <a:latin typeface="Urbanist"/>
+                <a:ea typeface="Urbanist"/>
+                <a:cs typeface="Urbanist"/>
+                <a:sym typeface="Urbanist"/>
+              </a:rPr>
+              <a:t>StandardScaler</a:t>
+            </a:r>
+            <a:r>
+              <a:rPr lang="en-US" sz="1500" b="0" i="0" u="none" strike="noStrike" cap="none" dirty="0">
+                <a:solidFill>
+                  <a:srgbClr val="CCCCCC"/>
+                </a:solidFill>
+                <a:latin typeface="Urbanist"/>
+                <a:ea typeface="Urbanist"/>
+                <a:cs typeface="Urbanist"/>
+                <a:sym typeface="Urbanist"/>
+              </a:rPr>
+              <a:t> to continuous variables to normalize distance and price ratios.</a:t>
+            </a:r>
+            <a:endParaRPr dirty="0"/>
           </a:p>
         </p:txBody>
       </p:sp>
@@ -18123,7 +18056,7 @@
               <a:buNone/>
             </a:pPr>
             <a:r>
-              <a:rPr lang="en-US" sz="1500" b="0" i="0" u="none" strike="noStrike" cap="none" dirty="0">
+              <a:rPr lang="en-US" sz="1500" b="0" i="0" u="none" strike="noStrike" cap="none">
                 <a:solidFill>
                   <a:srgbClr val="CCCCCC"/>
                 </a:solidFill>
@@ -18134,7 +18067,7 @@
               </a:rPr>
               <a:t>Performed reasonably well but struggled with complex fraud patterns.</a:t>
             </a:r>
-            <a:endParaRPr dirty="0"/>
+            <a:endParaRPr/>
           </a:p>
         </p:txBody>
       </p:sp>
@@ -18892,7 +18825,7 @@
           <p:nvPr>
             <p:extLst>
               <p:ext uri="{D42A27DB-BD31-4B8C-83A1-F6EECF244321}">
-                <p14:modId xmlns:p14="http://schemas.microsoft.com/office/powerpoint/2010/main" val="1512471421"/>
+                <p14:modId xmlns:p14="http://schemas.microsoft.com/office/powerpoint/2010/main" val="3720476394"/>
               </p:ext>
             </p:extLst>
           </p:nvPr>
@@ -19099,7 +19032,7 @@
                         <a:buNone/>
                       </a:pPr>
                       <a:r>
-                        <a:rPr lang="en-US" sz="1200" b="0" i="0" u="none" strike="noStrike" cap="none">
+                        <a:rPr lang="en-US" sz="1200" b="0" i="0" u="none" strike="noStrike" cap="none" dirty="0">
                           <a:latin typeface="Urbanist"/>
                           <a:ea typeface="Urbanist"/>
                           <a:cs typeface="Urbanist"/>
@@ -19107,7 +19040,7 @@
                         </a:rPr>
                         <a:t>Precision (Fraud)</a:t>
                       </a:r>
-                      <a:endParaRPr/>
+                      <a:endParaRPr dirty="0"/>
                     </a:p>
                   </a:txBody>
                   <a:tcPr marL="63500" marR="63500" marT="25400" marB="25400" anchor="ctr">
@@ -19172,7 +19105,7 @@
                         <a:buNone/>
                       </a:pPr>
                       <a:r>
-                        <a:rPr lang="it-IT" dirty="0"/>
+                        <a:rPr lang="en-US" dirty="0"/>
                         <a:t>0.09</a:t>
                       </a:r>
                       <a:endParaRPr dirty="0"/>
@@ -19320,7 +19253,7 @@
                         <a:buNone/>
                       </a:pPr>
                       <a:r>
-                        <a:rPr lang="it-IT" dirty="0"/>
+                        <a:rPr lang="en-US" dirty="0"/>
                         <a:t>0.99</a:t>
                       </a:r>
                       <a:endParaRPr dirty="0"/>
@@ -19468,7 +19401,7 @@
                         <a:buNone/>
                       </a:pPr>
                       <a:r>
-                        <a:rPr lang="it-IT" dirty="0"/>
+                        <a:rPr lang="en-US" dirty="0"/>
                         <a:t>0.17</a:t>
                       </a:r>
                       <a:endParaRPr dirty="0"/>
@@ -20399,10 +20332,10 @@
       </p:sp>
       <p:sp>
         <p:nvSpPr>
-          <p:cNvPr id="3" name="TextBox 2">
+          <p:cNvPr id="2" name="TextBox 1">
             <a:extLst>
               <a:ext uri="{FF2B5EF4-FFF2-40B4-BE49-F238E27FC236}">
-                <a16:creationId xmlns:a16="http://schemas.microsoft.com/office/drawing/2014/main" id="{DD605A0B-4D20-D525-4D2B-39DDCB452751}"/>
+                <a16:creationId xmlns:a16="http://schemas.microsoft.com/office/drawing/2014/main" id="{C5307799-76AC-9820-B67D-1FD82E2E4630}"/>
               </a:ext>
             </a:extLst>
           </p:cNvPr>
@@ -20411,8 +20344,8 @@
         </p:nvSpPr>
         <p:spPr>
           <a:xfrm>
-            <a:off x="6667500" y="2757488"/>
-            <a:ext cx="4638675" cy="553998"/>
+            <a:off x="6797040" y="2707065"/>
+            <a:ext cx="4221480" cy="1046440"/>
           </a:xfrm>
           <a:prstGeom prst="rect">
             <a:avLst/>
@@ -20420,13 +20353,13 @@
           <a:noFill/>
         </p:spPr>
         <p:txBody>
-          <a:bodyPr wrap="square">
+          <a:bodyPr wrap="square" rtlCol="0">
             <a:spAutoFit/>
           </a:bodyPr>
           <a:lstStyle/>
           <a:p>
             <a:r>
-              <a:rPr lang="en-CA" sz="1500" dirty="0">
+              <a:rPr lang="en-CA" sz="1600" dirty="0">
                 <a:solidFill>
                   <a:srgbClr val="CCCCCC"/>
                 </a:solidFill>
@@ -20436,6 +20369,9 @@
               </a:rPr>
               <a:t>Performed bad because the dataset is imbalanced and in general it’s a poor fit for large datasets</a:t>
             </a:r>
+          </a:p>
+          <a:p>
+            <a:endParaRPr lang="en-GB" dirty="0"/>
           </a:p>
         </p:txBody>
       </p:sp>
@@ -20618,7 +20554,7 @@
               <a:buNone/>
             </a:pPr>
             <a:r>
-              <a:rPr lang="en-US" sz="1500" b="0" i="0" u="none" strike="noStrike" cap="none">
+              <a:rPr lang="en-US" sz="1500" b="0" i="0" u="none" strike="noStrike" cap="none" dirty="0">
                 <a:solidFill>
                   <a:srgbClr val="CCCCCC"/>
                 </a:solidFill>
@@ -20629,7 +20565,7 @@
               </a:rPr>
               <a:t>Tree-based models significantly outperformed linear models on this dataset.</a:t>
             </a:r>
-            <a:endParaRPr/>
+            <a:endParaRPr dirty="0"/>
           </a:p>
         </p:txBody>
       </p:sp>
@@ -20821,8 +20757,8 @@
         </p:nvSpPr>
         <p:spPr>
           <a:xfrm>
-            <a:off x="876300" y="5119687"/>
-            <a:ext cx="4638600" cy="600300"/>
+            <a:off x="871575" y="4929187"/>
+            <a:ext cx="4638600" cy="1477328"/>
           </a:xfrm>
           <a:prstGeom prst="rect">
             <a:avLst/>
@@ -20851,7 +20787,7 @@
               <a:buNone/>
             </a:pPr>
             <a:r>
-              <a:rPr lang="en-US" sz="1500" b="0" i="0" u="none" strike="noStrike" cap="none">
+              <a:rPr lang="en-US" sz="1500" b="0" i="0" u="none" strike="noStrike" cap="none" dirty="0">
                 <a:solidFill>
                   <a:srgbClr val="CCCCCC"/>
                 </a:solidFill>
@@ -20860,9 +20796,9 @@
                 <a:cs typeface="Urbanist"/>
                 <a:sym typeface="Urbanist"/>
               </a:rPr>
-              <a:t>Achieved 100% precision and recall on the test set, effectively eliminating false positives and negatives.</a:t>
+              <a:t>Achieved 100% precision and recall on the test set, effectively eliminating false positives and negatives. This is due to its nature of using majority voting and a group of decision trees. </a:t>
             </a:r>
-            <a:endParaRPr/>
+            <a:endParaRPr dirty="0"/>
           </a:p>
         </p:txBody>
       </p:sp>

--- a/Credit Card Fraud Detection.pptx
+++ b/Credit Card Fraud Detection.pptx
@@ -5,7 +5,7 @@
     <p:sldMasterId id="2147483659" r:id="rId1"/>
   </p:sldMasterIdLst>
   <p:notesMasterIdLst>
-    <p:notesMasterId r:id="rId16"/>
+    <p:notesMasterId r:id="rId17"/>
   </p:notesMasterIdLst>
   <p:sldIdLst>
     <p:sldId id="256" r:id="rId2"/>
@@ -18,20 +18,21 @@
     <p:sldId id="262" r:id="rId9"/>
     <p:sldId id="263" r:id="rId10"/>
     <p:sldId id="264" r:id="rId11"/>
-    <p:sldId id="265" r:id="rId12"/>
-    <p:sldId id="266" r:id="rId13"/>
-    <p:sldId id="267" r:id="rId14"/>
-    <p:sldId id="268" r:id="rId15"/>
+    <p:sldId id="270" r:id="rId12"/>
+    <p:sldId id="265" r:id="rId13"/>
+    <p:sldId id="266" r:id="rId14"/>
+    <p:sldId id="267" r:id="rId15"/>
+    <p:sldId id="268" r:id="rId16"/>
   </p:sldIdLst>
   <p:sldSz cx="12192000" cy="6858000"/>
   <p:notesSz cx="6858000" cy="9144000"/>
   <p:embeddedFontLst>
     <p:embeddedFont>
       <p:font typeface="Urbanist" panose="020B0604020202020204" charset="0"/>
-      <p:regular r:id="rId17"/>
-      <p:bold r:id="rId18"/>
-      <p:italic r:id="rId19"/>
-      <p:boldItalic r:id="rId20"/>
+      <p:regular r:id="rId18"/>
+      <p:bold r:id="rId19"/>
+      <p:italic r:id="rId20"/>
+      <p:boldItalic r:id="rId21"/>
     </p:embeddedFont>
   </p:embeddedFontLst>
   <p:defaultTextStyle>
@@ -12516,6 +12517,189 @@
     <p:bg>
       <p:bgPr>
         <a:solidFill>
+          <a:schemeClr val="tx1"/>
+        </a:solidFill>
+        <a:effectLst/>
+      </p:bgPr>
+    </p:bg>
+    <p:spTree>
+      <p:nvGrpSpPr>
+        <p:cNvPr id="1" name=""/>
+        <p:cNvGrpSpPr/>
+        <p:nvPr/>
+      </p:nvGrpSpPr>
+      <p:grpSpPr>
+        <a:xfrm>
+          <a:off x="0" y="0"/>
+          <a:ext cx="0" cy="0"/>
+          <a:chOff x="0" y="0"/>
+          <a:chExt cx="0" cy="0"/>
+        </a:xfrm>
+      </p:grpSpPr>
+      <p:pic>
+        <p:nvPicPr>
+          <p:cNvPr id="5" name="Picture 4">
+            <a:extLst>
+              <a:ext uri="{FF2B5EF4-FFF2-40B4-BE49-F238E27FC236}">
+                <a16:creationId xmlns:a16="http://schemas.microsoft.com/office/drawing/2014/main" id="{5298A453-E706-6D41-AB13-F18EDB023C41}"/>
+              </a:ext>
+            </a:extLst>
+          </p:cNvPr>
+          <p:cNvPicPr>
+            <a:picLocks noChangeAspect="1"/>
+          </p:cNvPicPr>
+          <p:nvPr/>
+        </p:nvPicPr>
+        <p:blipFill>
+          <a:blip r:embed="rId2"/>
+          <a:stretch>
+            <a:fillRect/>
+          </a:stretch>
+        </p:blipFill>
+        <p:spPr>
+          <a:xfrm>
+            <a:off x="771525" y="2042160"/>
+            <a:ext cx="7305305" cy="3918815"/>
+          </a:xfrm>
+          <a:prstGeom prst="rect">
+            <a:avLst/>
+          </a:prstGeom>
+        </p:spPr>
+      </p:pic>
+      <p:sp>
+        <p:nvSpPr>
+          <p:cNvPr id="7" name="Google Shape;227;p20">
+            <a:extLst>
+              <a:ext uri="{FF2B5EF4-FFF2-40B4-BE49-F238E27FC236}">
+                <a16:creationId xmlns:a16="http://schemas.microsoft.com/office/drawing/2014/main" id="{506C4FCE-25E2-2B0D-53D7-E49C5157F98E}"/>
+              </a:ext>
+            </a:extLst>
+          </p:cNvPr>
+          <p:cNvSpPr txBox="1"/>
+          <p:nvPr/>
+        </p:nvSpPr>
+        <p:spPr>
+          <a:xfrm>
+            <a:off x="771525" y="581025"/>
+            <a:ext cx="11381422" cy="552450"/>
+          </a:xfrm>
+          <a:prstGeom prst="rect">
+            <a:avLst/>
+          </a:prstGeom>
+          <a:noFill/>
+          <a:ln>
+            <a:noFill/>
+          </a:ln>
+        </p:spPr>
+        <p:txBody>
+          <a:bodyPr spcFirstLastPara="1" wrap="square" lIns="0" tIns="0" rIns="0" bIns="0" anchor="t" anchorCtr="0">
+            <a:spAutoFit/>
+          </a:bodyPr>
+          <a:lstStyle/>
+          <a:p>
+            <a:pPr marL="0" marR="0" lvl="0" indent="0" algn="l" rtl="0">
+              <a:spcBef>
+                <a:spcPts val="0"/>
+              </a:spcBef>
+              <a:spcAft>
+                <a:spcPts val="0"/>
+              </a:spcAft>
+              <a:buNone/>
+            </a:pPr>
+            <a:r>
+              <a:rPr lang="en-US" sz="3600" b="1" i="0" u="none" strike="noStrike" cap="none" dirty="0">
+                <a:solidFill>
+                  <a:srgbClr val="FFFFFF"/>
+                </a:solidFill>
+                <a:latin typeface="Urbanist"/>
+                <a:ea typeface="Urbanist"/>
+                <a:cs typeface="Urbanist"/>
+                <a:sym typeface="Urbanist"/>
+              </a:rPr>
+              <a:t>Model Deployment</a:t>
+            </a:r>
+            <a:endParaRPr lang="en-US" dirty="0"/>
+          </a:p>
+        </p:txBody>
+      </p:sp>
+      <p:sp>
+        <p:nvSpPr>
+          <p:cNvPr id="8" name="Google Shape;213;p19">
+            <a:extLst>
+              <a:ext uri="{FF2B5EF4-FFF2-40B4-BE49-F238E27FC236}">
+                <a16:creationId xmlns:a16="http://schemas.microsoft.com/office/drawing/2014/main" id="{7A9D1389-1397-01B2-E9E1-3CAB0B50313C}"/>
+              </a:ext>
+            </a:extLst>
+          </p:cNvPr>
+          <p:cNvSpPr txBox="1"/>
+          <p:nvPr/>
+        </p:nvSpPr>
+        <p:spPr>
+          <a:xfrm>
+            <a:off x="8366760" y="2042160"/>
+            <a:ext cx="3175190" cy="1477328"/>
+          </a:xfrm>
+          <a:prstGeom prst="rect">
+            <a:avLst/>
+          </a:prstGeom>
+          <a:noFill/>
+          <a:ln>
+            <a:noFill/>
+          </a:ln>
+        </p:spPr>
+        <p:txBody>
+          <a:bodyPr spcFirstLastPara="1" wrap="square" lIns="0" tIns="0" rIns="0" bIns="0" anchor="t" anchorCtr="0">
+            <a:spAutoFit/>
+          </a:bodyPr>
+          <a:lstStyle/>
+          <a:p>
+            <a:pPr marL="0" marR="0" lvl="0" indent="0" algn="l" rtl="0">
+              <a:lnSpc>
+                <a:spcPct val="160000"/>
+              </a:lnSpc>
+              <a:spcBef>
+                <a:spcPts val="0"/>
+              </a:spcBef>
+              <a:spcAft>
+                <a:spcPts val="0"/>
+              </a:spcAft>
+              <a:buNone/>
+            </a:pPr>
+            <a:r>
+              <a:rPr lang="en-US" sz="1500" b="0" i="0" u="none" strike="noStrike" cap="none" dirty="0">
+                <a:solidFill>
+                  <a:srgbClr val="CCCCCC"/>
+                </a:solidFill>
+                <a:latin typeface="Urbanist"/>
+                <a:ea typeface="Urbanist"/>
+                <a:cs typeface="Urbanist"/>
+                <a:sym typeface="Urbanist"/>
+              </a:rPr>
+              <a:t>The model can be deployed to see new transactions and act upon it. This is essential in credit card fraud detection.   </a:t>
+            </a:r>
+            <a:endParaRPr lang="en-US" dirty="0"/>
+          </a:p>
+        </p:txBody>
+      </p:sp>
+    </p:spTree>
+    <p:extLst>
+      <p:ext uri="{BB962C8B-B14F-4D97-AF65-F5344CB8AC3E}">
+        <p14:creationId xmlns:p14="http://schemas.microsoft.com/office/powerpoint/2010/main" val="3822274714"/>
+      </p:ext>
+    </p:extLst>
+  </p:cSld>
+  <p:clrMapOvr>
+    <a:masterClrMapping/>
+  </p:clrMapOvr>
+</p:sld>
+</file>
+
+<file path=ppt/slides/slide12.xml><?xml version="1.0" encoding="utf-8"?>
+<p:sld xmlns:a="http://schemas.openxmlformats.org/drawingml/2006/main" xmlns:r="http://schemas.openxmlformats.org/officeDocument/2006/relationships" xmlns:p="http://schemas.openxmlformats.org/presentationml/2006/main">
+  <p:cSld>
+    <p:bg>
+      <p:bgPr>
+        <a:solidFill>
           <a:srgbClr val="000000"/>
         </a:solidFill>
         <a:effectLst/>
@@ -13163,7 +13347,7 @@
 </p:sld>
 </file>
 
-<file path=ppt/slides/slide12.xml><?xml version="1.0" encoding="utf-8"?>
+<file path=ppt/slides/slide13.xml><?xml version="1.0" encoding="utf-8"?>
 <p:sld xmlns:a="http://schemas.openxmlformats.org/drawingml/2006/main" xmlns:r="http://schemas.openxmlformats.org/officeDocument/2006/relationships" xmlns:p="http://schemas.openxmlformats.org/presentationml/2006/main">
   <p:cSld>
     <p:spTree>
@@ -13318,7 +13502,7 @@
 </p:sld>
 </file>
 
-<file path=ppt/slides/slide13.xml><?xml version="1.0" encoding="utf-8"?>
+<file path=ppt/slides/slide14.xml><?xml version="1.0" encoding="utf-8"?>
 <p:sld xmlns:a="http://schemas.openxmlformats.org/drawingml/2006/main" xmlns:r="http://schemas.openxmlformats.org/officeDocument/2006/relationships" xmlns:p="http://schemas.openxmlformats.org/presentationml/2006/main">
   <p:cSld>
     <p:bg>
@@ -13481,7 +13665,7 @@
 </p:sld>
 </file>
 
-<file path=ppt/slides/slide14.xml><?xml version="1.0" encoding="utf-8"?>
+<file path=ppt/slides/slide15.xml><?xml version="1.0" encoding="utf-8"?>
 <p:sld xmlns:a="http://schemas.openxmlformats.org/drawingml/2006/main" xmlns:r="http://schemas.openxmlformats.org/officeDocument/2006/relationships" xmlns:p="http://schemas.openxmlformats.org/presentationml/2006/main">
   <p:cSld>
     <p:bg>
@@ -21349,7 +21533,7 @@
               <a:buNone/>
             </a:pPr>
             <a:r>
-              <a:rPr lang="en-US" sz="3600" b="1" i="0" u="none" strike="noStrike" cap="none">
+              <a:rPr lang="en-US" sz="3600" b="1" i="0" u="none" strike="noStrike" cap="none" dirty="0">
                 <a:solidFill>
                   <a:srgbClr val="FFFFFF"/>
                 </a:solidFill>
@@ -21360,7 +21544,7 @@
               </a:rPr>
               <a:t>Confusion Matrix Analysis</a:t>
             </a:r>
-            <a:endParaRPr/>
+            <a:endParaRPr dirty="0"/>
           </a:p>
         </p:txBody>
       </p:sp>

--- a/Credit Card Fraud Detection.pptx
+++ b/Credit Card Fraud Detection.pptx
@@ -28,7 +28,7 @@
   <p:notesSz cx="6858000" cy="9144000"/>
   <p:embeddedFontLst>
     <p:embeddedFont>
-      <p:font typeface="Urbanist" panose="020B0604020202020204" charset="0"/>
+      <p:font typeface="Urbanist" panose="020B0A04040200000203" pitchFamily="34" charset="77"/>
       <p:regular r:id="rId18"/>
       <p:bold r:id="rId19"/>
       <p:italic r:id="rId20"/>
@@ -16724,6 +16724,87 @@
           </a:prstGeom>
         </p:spPr>
       </p:pic>
+      <p:sp>
+        <p:nvSpPr>
+          <p:cNvPr id="2" name="TextBox 1">
+            <a:extLst>
+              <a:ext uri="{FF2B5EF4-FFF2-40B4-BE49-F238E27FC236}">
+                <a16:creationId xmlns:a16="http://schemas.microsoft.com/office/drawing/2014/main" id="{15B753F4-1C1F-39F9-B006-8EA9316B478B}"/>
+              </a:ext>
+            </a:extLst>
+          </p:cNvPr>
+          <p:cNvSpPr txBox="1"/>
+          <p:nvPr/>
+        </p:nvSpPr>
+        <p:spPr>
+          <a:xfrm>
+            <a:off x="628650" y="5447211"/>
+            <a:ext cx="3564527" cy="523220"/>
+          </a:xfrm>
+          <a:prstGeom prst="rect">
+            <a:avLst/>
+          </a:prstGeom>
+          <a:noFill/>
+        </p:spPr>
+        <p:txBody>
+          <a:bodyPr wrap="square" rtlCol="0">
+            <a:spAutoFit/>
+          </a:bodyPr>
+          <a:lstStyle/>
+          <a:p>
+            <a:r>
+              <a:rPr lang="en-US" b="1" u="sng" dirty="0">
+                <a:solidFill>
+                  <a:schemeClr val="bg1"/>
+                </a:solidFill>
+              </a:rPr>
+              <a:t>Chip Used:</a:t>
+            </a:r>
+            <a:r>
+              <a:rPr lang="en-US" b="1" dirty="0">
+                <a:solidFill>
+                  <a:schemeClr val="bg1"/>
+                </a:solidFill>
+              </a:rPr>
+              <a:t> </a:t>
+            </a:r>
+            <a:r>
+              <a:rPr lang="en-US" dirty="0">
+                <a:solidFill>
+                  <a:schemeClr val="bg1"/>
+                </a:solidFill>
+              </a:rPr>
+              <a:t>0.068 Fraud Ratio</a:t>
+            </a:r>
+          </a:p>
+          <a:p>
+            <a:r>
+              <a:rPr lang="en-US" b="1" u="sng" dirty="0">
+                <a:solidFill>
+                  <a:schemeClr val="bg1"/>
+                </a:solidFill>
+              </a:rPr>
+              <a:t>Chip Not Used:</a:t>
+            </a:r>
+            <a:r>
+              <a:rPr lang="en-US" b="1" dirty="0">
+                <a:solidFill>
+                  <a:schemeClr val="bg1"/>
+                </a:solidFill>
+              </a:rPr>
+              <a:t> </a:t>
+            </a:r>
+            <a:r>
+              <a:rPr lang="en-US" dirty="0">
+                <a:solidFill>
+                  <a:schemeClr val="bg1"/>
+                </a:solidFill>
+              </a:rPr>
+              <a:t>0.111 Fraud Ratio</a:t>
+            </a:r>
+          </a:p>
+        </p:txBody>
+      </p:sp>
     </p:spTree>
     <p:extLst>
       <p:ext uri="{BB962C8B-B14F-4D97-AF65-F5344CB8AC3E}">

--- a/Credit Card Fraud Detection.pptx
+++ b/Credit Card Fraud Detection.pptx
@@ -15904,7 +15904,7 @@
               <a:buNone/>
             </a:pPr>
             <a:r>
-              <a:rPr lang="en-US" sz="1500" b="0" i="0" u="none" strike="noStrike" cap="none">
+              <a:rPr lang="en-US" sz="1500" b="0" i="0" u="none" strike="noStrike" cap="none" dirty="0">
                 <a:solidFill>
                   <a:srgbClr val="CCCCCC"/>
                 </a:solidFill>
@@ -15915,7 +15915,7 @@
               </a:rPr>
               <a:t>•</a:t>
             </a:r>
-            <a:endParaRPr/>
+            <a:endParaRPr dirty="0"/>
           </a:p>
         </p:txBody>
       </p:sp>
@@ -15966,7 +15966,45 @@
                 <a:cs typeface="Urbanist"/>
                 <a:sym typeface="Urbanist"/>
               </a:rPr>
-              <a:t>If Transaction Used Chip / PIN</a:t>
+              <a:t>If Transaction Used Chip</a:t>
+            </a:r>
+          </a:p>
+          <a:p>
+            <a:pPr marL="0" marR="0" lvl="0" indent="0" algn="l" rtl="0">
+              <a:lnSpc>
+                <a:spcPct val="160000"/>
+              </a:lnSpc>
+              <a:spcBef>
+                <a:spcPts val="0"/>
+              </a:spcBef>
+              <a:spcAft>
+                <a:spcPts val="0"/>
+              </a:spcAft>
+              <a:buNone/>
+            </a:pPr>
+            <a:r>
+              <a:rPr lang="en-US" sz="1500" dirty="0">
+                <a:solidFill>
+                  <a:srgbClr val="CCCCCC"/>
+                </a:solidFill>
+                <a:latin typeface="Urbanist"/>
+                <a:ea typeface="Urbanist"/>
+                <a:cs typeface="Urbanist"/>
+                <a:sym typeface="Urbanist"/>
+              </a:rPr>
+              <a:t>If Transaction Used</a:t>
+            </a:r>
+            <a:r>
+              <a:rPr lang="en-US" sz="1500" b="0" i="0" u="none" strike="noStrike" cap="none" dirty="0">
+                <a:solidFill>
+                  <a:srgbClr val="CCCCCC"/>
+                </a:solidFill>
+                <a:latin typeface="Urbanist"/>
+                <a:ea typeface="Urbanist"/>
+                <a:cs typeface="Urbanist"/>
+                <a:sym typeface="Urbanist"/>
+              </a:rPr>
+              <a:t> PIN</a:t>
             </a:r>
             <a:endParaRPr dirty="0"/>
           </a:p>
@@ -16515,6 +16553,62 @@
           </a:extLst>
         </p:spPr>
       </p:pic>
+      <p:sp>
+        <p:nvSpPr>
+          <p:cNvPr id="4" name="Google Shape;128;p15">
+            <a:extLst>
+              <a:ext uri="{FF2B5EF4-FFF2-40B4-BE49-F238E27FC236}">
+                <a16:creationId xmlns:a16="http://schemas.microsoft.com/office/drawing/2014/main" id="{A6BC13DD-A1E9-C329-C92F-65013FD65E62}"/>
+              </a:ext>
+            </a:extLst>
+          </p:cNvPr>
+          <p:cNvSpPr txBox="1"/>
+          <p:nvPr/>
+        </p:nvSpPr>
+        <p:spPr>
+          <a:xfrm>
+            <a:off x="8732518" y="4311834"/>
+            <a:ext cx="38100" cy="304800"/>
+          </a:xfrm>
+          <a:prstGeom prst="rect">
+            <a:avLst/>
+          </a:prstGeom>
+          <a:noFill/>
+          <a:ln>
+            <a:noFill/>
+          </a:ln>
+        </p:spPr>
+        <p:txBody>
+          <a:bodyPr spcFirstLastPara="1" wrap="square" lIns="0" tIns="0" rIns="0" bIns="0" anchor="t" anchorCtr="0">
+            <a:spAutoFit/>
+          </a:bodyPr>
+          <a:lstStyle/>
+          <a:p>
+            <a:pPr marL="0" marR="0" lvl="0" indent="0" algn="l" rtl="0">
+              <a:spcBef>
+                <a:spcPts val="0"/>
+              </a:spcBef>
+              <a:spcAft>
+                <a:spcPts val="0"/>
+              </a:spcAft>
+              <a:buNone/>
+            </a:pPr>
+            <a:r>
+              <a:rPr lang="en-US" sz="1500" b="0" i="0" u="none" strike="noStrike" cap="none" dirty="0">
+                <a:solidFill>
+                  <a:srgbClr val="CCCCCC"/>
+                </a:solidFill>
+                <a:latin typeface="Urbanist"/>
+                <a:ea typeface="Urbanist"/>
+                <a:cs typeface="Urbanist"/>
+                <a:sym typeface="Urbanist"/>
+              </a:rPr>
+              <a:t>•</a:t>
+            </a:r>
+            <a:endParaRPr dirty="0"/>
+          </a:p>
+        </p:txBody>
+      </p:sp>
     </p:spTree>
   </p:cSld>
   <p:clrMapOvr>

--- a/Credit Card Fraud Detection.pptx
+++ b/Credit Card Fraud Detection.pptx
@@ -16172,7 +16172,7 @@
         <p:spPr>
           <a:xfrm>
             <a:off x="8782050" y="5067221"/>
-            <a:ext cx="2514600" cy="304800"/>
+            <a:ext cx="2514600" cy="369332"/>
           </a:xfrm>
           <a:prstGeom prst="rect">
             <a:avLst/>
@@ -16210,7 +16210,7 @@
                 <a:cs typeface="Urbanist"/>
                 <a:sym typeface="Urbanist"/>
               </a:rPr>
-              <a:t>Target: Fraud (0/1)</a:t>
+              <a:t>Fraud (0/1)</a:t>
             </a:r>
             <a:endParaRPr dirty="0"/>
           </a:p>

--- a/Credit Card Fraud Detection.pptx
+++ b/Credit Card Fraud Detection.pptx
@@ -1854,8 +1854,8 @@
         </p:nvSpPr>
         <p:spPr>
           <a:xfrm>
-            <a:off x="1143225" y="685800"/>
-            <a:ext cx="4572225" cy="3429000"/>
+            <a:off x="381000" y="685800"/>
+            <a:ext cx="6096000" cy="3429000"/>
           </a:xfrm>
           <a:custGeom>
             <a:avLst/>
@@ -14556,7 +14556,7 @@
         <p:spPr>
           <a:xfrm>
             <a:off x="604837" y="2727938"/>
-            <a:ext cx="5229225" cy="914400"/>
+            <a:ext cx="5229225" cy="1107996"/>
           </a:xfrm>
           <a:prstGeom prst="rect">
             <a:avLst/>
@@ -14594,7 +14594,7 @@
                 <a:cs typeface="Urbanist"/>
                 <a:sym typeface="Urbanist"/>
               </a:rPr>
-              <a:t>Credit card fraud incurs billions in losses annually for banks and consumers. Traditional manual detection is too slow for modern transaction volumes.</a:t>
+              <a:t>Credit card fraud causes billions in losses annually for banks and consumers. Traditional manual detection is too slow for modern transaction volumes.</a:t>
             </a:r>
             <a:endParaRPr dirty="0"/>
           </a:p>
@@ -14659,7 +14659,7 @@
         <p:spPr>
           <a:xfrm>
             <a:off x="581025" y="4410075"/>
-            <a:ext cx="5229300" cy="969600"/>
+            <a:ext cx="5229300" cy="1477328"/>
           </a:xfrm>
           <a:prstGeom prst="rect">
             <a:avLst/>
@@ -14688,7 +14688,7 @@
               <a:buNone/>
             </a:pPr>
             <a:r>
-              <a:rPr lang="en-US" sz="1500" b="0" i="0" u="none" strike="noStrike" cap="none">
+              <a:rPr lang="en-US" sz="1500" b="0" i="0" u="none" strike="noStrike" cap="none" dirty="0">
                 <a:solidFill>
                   <a:srgbClr val="CCCCCC"/>
                 </a:solidFill>
@@ -14700,7 +14700,7 @@
               <a:t>To develop an automated machine learning </a:t>
             </a:r>
             <a:r>
-              <a:rPr lang="en-US" sz="1500">
+              <a:rPr lang="en-US" sz="1500" dirty="0">
                 <a:solidFill>
                   <a:srgbClr val="CCCCCC"/>
                 </a:solidFill>
@@ -14712,7 +14712,7 @@
               <a:t>model </a:t>
             </a:r>
             <a:r>
-              <a:rPr lang="en-US" sz="1500" b="0" i="0" u="none" strike="noStrike" cap="none">
+              <a:rPr lang="en-US" sz="1500" b="0" i="0" u="none" strike="noStrike" cap="none" dirty="0">
                 <a:solidFill>
                   <a:srgbClr val="CCCCCC"/>
                 </a:solidFill>
@@ -14724,7 +14724,7 @@
               <a:t>capable of detecting fraudulent transactions with high accuracy, specifically focusing on minimizing </a:t>
             </a:r>
             <a:r>
-              <a:rPr lang="en-US" sz="1500" b="1" i="0" u="none" strike="noStrike" cap="none">
+              <a:rPr lang="en-US" sz="1500" b="1" i="0" u="none" strike="noStrike" cap="none" dirty="0">
                 <a:solidFill>
                   <a:srgbClr val="CCCCCC"/>
                 </a:solidFill>
@@ -14733,10 +14733,10 @@
                 <a:cs typeface="Urbanist"/>
                 <a:sym typeface="Urbanist"/>
               </a:rPr>
-              <a:t>False Negatives</a:t>
+              <a:t>False Negatives (undete</a:t>
             </a:r>
             <a:r>
-              <a:rPr lang="en-US" sz="1500" b="0" i="0" u="none" strike="noStrike" cap="none">
+              <a:rPr lang="en-US" sz="1500" b="1" dirty="0">
                 <a:solidFill>
                   <a:srgbClr val="CCCCCC"/>
                 </a:solidFill>
@@ -14745,9 +14745,9 @@
                 <a:cs typeface="Urbanist"/>
                 <a:sym typeface="Urbanist"/>
               </a:rPr>
-              <a:t>.</a:t>
+              <a:t>cted Frauds).</a:t>
             </a:r>
-            <a:endParaRPr/>
+            <a:endParaRPr dirty="0"/>
           </a:p>
         </p:txBody>
       </p:sp>
@@ -14810,7 +14810,7 @@
         <p:spPr>
           <a:xfrm>
             <a:off x="6677025" y="4100512"/>
-            <a:ext cx="4638675" cy="609600"/>
+            <a:ext cx="4638675" cy="738664"/>
           </a:xfrm>
           <a:prstGeom prst="rect">
             <a:avLst/>
@@ -14839,7 +14839,7 @@
               <a:buNone/>
             </a:pPr>
             <a:r>
-              <a:rPr lang="en-US" sz="1500" b="0" i="0" u="none" strike="noStrike" cap="none">
+              <a:rPr lang="en-US" sz="1500" b="0" i="0" u="none" strike="noStrike" cap="none" dirty="0">
                 <a:solidFill>
                   <a:srgbClr val="CCCCCC"/>
                 </a:solidFill>
@@ -14848,9 +14848,9 @@
                 <a:cs typeface="Urbanist"/>
                 <a:sym typeface="Urbanist"/>
               </a:rPr>
-              <a:t>Our goal is to identify the "needle in the haystack" without blocking legitimate users.</a:t>
+              <a:t>Our goal is to identify Fraud without blocking legitimate transactions.</a:t>
             </a:r>
-            <a:endParaRPr/>
+            <a:endParaRPr dirty="0"/>
           </a:p>
         </p:txBody>
       </p:sp>
@@ -15284,8 +15284,8 @@
         </p:nvSpPr>
         <p:spPr>
           <a:xfrm>
-            <a:off x="4648200" y="3000375"/>
-            <a:ext cx="3040380" cy="323850"/>
+            <a:off x="4648200" y="2868394"/>
+            <a:ext cx="3040380" cy="646331"/>
           </a:xfrm>
           <a:prstGeom prst="rect">
             <a:avLst/>
@@ -15311,7 +15311,7 @@
               <a:buNone/>
             </a:pPr>
             <a:r>
-              <a:rPr lang="en-US" sz="2100" b="1" i="0" u="none" strike="noStrike" cap="none">
+              <a:rPr lang="en-US" sz="2100" b="1" i="0" u="none" strike="noStrike" cap="none" dirty="0">
                 <a:solidFill>
                   <a:srgbClr val="DEFF9A"/>
                 </a:solidFill>
@@ -15320,9 +15320,9 @@
                 <a:cs typeface="Urbanist"/>
                 <a:sym typeface="Urbanist"/>
               </a:rPr>
-              <a:t>Continuous Features</a:t>
+              <a:t>Continuous Numerical Features</a:t>
             </a:r>
-            <a:endParaRPr/>
+            <a:endParaRPr dirty="0"/>
           </a:p>
         </p:txBody>
       </p:sp>
@@ -15334,8 +15334,8 @@
         </p:nvSpPr>
         <p:spPr>
           <a:xfrm>
-            <a:off x="8420100" y="3000375"/>
-            <a:ext cx="3040380" cy="323850"/>
+            <a:off x="8420100" y="2868393"/>
+            <a:ext cx="3040380" cy="646331"/>
           </a:xfrm>
           <a:prstGeom prst="rect">
             <a:avLst/>
@@ -15361,7 +15361,7 @@
               <a:buNone/>
             </a:pPr>
             <a:r>
-              <a:rPr lang="en-US" sz="2100" b="1" i="0" u="none" strike="noStrike" cap="none">
+              <a:rPr lang="en-US" sz="2100" b="1" i="0" u="none" strike="noStrike" cap="none" dirty="0">
                 <a:solidFill>
                   <a:srgbClr val="DEFF9A"/>
                 </a:solidFill>
@@ -15370,9 +15370,9 @@
                 <a:cs typeface="Urbanist"/>
                 <a:sym typeface="Urbanist"/>
               </a:rPr>
-              <a:t>Binary Features</a:t>
+              <a:t>Categorical Binary Features</a:t>
             </a:r>
-            <a:endParaRPr/>
+            <a:endParaRPr dirty="0"/>
           </a:p>
         </p:txBody>
       </p:sp>
@@ -15904,7 +15904,7 @@
               <a:buNone/>
             </a:pPr>
             <a:r>
-              <a:rPr lang="en-US" sz="1500" b="0" i="0" u="none" strike="noStrike" cap="none">
+              <a:rPr lang="en-US" sz="1500" b="0" i="0" u="none" strike="noStrike" cap="none" dirty="0">
                 <a:solidFill>
                   <a:srgbClr val="CCCCCC"/>
                 </a:solidFill>
@@ -15915,7 +15915,7 @@
               </a:rPr>
               <a:t>•</a:t>
             </a:r>
-            <a:endParaRPr/>
+            <a:endParaRPr dirty="0"/>
           </a:p>
         </p:txBody>
       </p:sp>
@@ -15966,7 +15966,45 @@
                 <a:cs typeface="Urbanist"/>
                 <a:sym typeface="Urbanist"/>
               </a:rPr>
-              <a:t>If Transaction Used Chip / PIN</a:t>
+              <a:t>If Transaction Used Chip</a:t>
+            </a:r>
+          </a:p>
+          <a:p>
+            <a:pPr marL="0" marR="0" lvl="0" indent="0" algn="l" rtl="0">
+              <a:lnSpc>
+                <a:spcPct val="160000"/>
+              </a:lnSpc>
+              <a:spcBef>
+                <a:spcPts val="0"/>
+              </a:spcBef>
+              <a:spcAft>
+                <a:spcPts val="0"/>
+              </a:spcAft>
+              <a:buNone/>
+            </a:pPr>
+            <a:r>
+              <a:rPr lang="en-US" sz="1500" dirty="0">
+                <a:solidFill>
+                  <a:srgbClr val="CCCCCC"/>
+                </a:solidFill>
+                <a:latin typeface="Urbanist"/>
+                <a:ea typeface="Urbanist"/>
+                <a:cs typeface="Urbanist"/>
+                <a:sym typeface="Urbanist"/>
+              </a:rPr>
+              <a:t>If Transaction Used</a:t>
+            </a:r>
+            <a:r>
+              <a:rPr lang="en-US" sz="1500" b="0" i="0" u="none" strike="noStrike" cap="none" dirty="0">
+                <a:solidFill>
+                  <a:srgbClr val="CCCCCC"/>
+                </a:solidFill>
+                <a:latin typeface="Urbanist"/>
+                <a:ea typeface="Urbanist"/>
+                <a:cs typeface="Urbanist"/>
+                <a:sym typeface="Urbanist"/>
+              </a:rPr>
+              <a:t> PIN</a:t>
             </a:r>
             <a:endParaRPr dirty="0"/>
           </a:p>
@@ -16134,7 +16172,7 @@
         <p:spPr>
           <a:xfrm>
             <a:off x="8782050" y="5067221"/>
-            <a:ext cx="2514600" cy="304800"/>
+            <a:ext cx="2514600" cy="369332"/>
           </a:xfrm>
           <a:prstGeom prst="rect">
             <a:avLst/>
@@ -16172,7 +16210,7 @@
                 <a:cs typeface="Urbanist"/>
                 <a:sym typeface="Urbanist"/>
               </a:rPr>
-              <a:t>Target: Fraud (0/1)</a:t>
+              <a:t>Fraud (0/1)</a:t>
             </a:r>
             <a:endParaRPr dirty="0"/>
           </a:p>
@@ -16515,6 +16553,59 @@
           </a:extLst>
         </p:spPr>
       </p:pic>
+      <p:sp>
+        <p:nvSpPr>
+          <p:cNvPr id="5" name="TextBox 4">
+            <a:extLst>
+              <a:ext uri="{FF2B5EF4-FFF2-40B4-BE49-F238E27FC236}">
+                <a16:creationId xmlns:a16="http://schemas.microsoft.com/office/drawing/2014/main" id="{A30013EA-5A57-5707-4603-41A236930516}"/>
+              </a:ext>
+            </a:extLst>
+          </p:cNvPr>
+          <p:cNvSpPr txBox="1"/>
+          <p:nvPr/>
+        </p:nvSpPr>
+        <p:spPr>
+          <a:xfrm>
+            <a:off x="8657272" y="4327505"/>
+            <a:ext cx="6096000" cy="307777"/>
+          </a:xfrm>
+          <a:prstGeom prst="rect">
+            <a:avLst/>
+          </a:prstGeom>
+          <a:noFill/>
+        </p:spPr>
+        <p:txBody>
+          <a:bodyPr wrap="square">
+            <a:spAutoFit/>
+          </a:bodyPr>
+          <a:lstStyle/>
+          <a:p>
+            <a:pPr marL="0" marR="0" lvl="0" indent="0" algn="l" rtl="0">
+              <a:spcBef>
+                <a:spcPts val="0"/>
+              </a:spcBef>
+              <a:spcAft>
+                <a:spcPts val="0"/>
+              </a:spcAft>
+              <a:buNone/>
+            </a:pPr>
+            <a:r>
+              <a:rPr lang="en-US" sz="1400" b="0" i="0" u="none" strike="noStrike" cap="none" dirty="0">
+                <a:solidFill>
+                  <a:srgbClr val="CCCCCC"/>
+                </a:solidFill>
+                <a:latin typeface="Urbanist"/>
+                <a:ea typeface="Urbanist"/>
+                <a:cs typeface="Urbanist"/>
+                <a:sym typeface="Urbanist"/>
+              </a:rPr>
+              <a:t>•</a:t>
+            </a:r>
+            <a:endParaRPr lang="en-US" dirty="0"/>
+          </a:p>
+        </p:txBody>
+      </p:sp>
     </p:spTree>
   </p:cSld>
   <p:clrMapOvr>
@@ -16724,6 +16815,97 @@
           </a:prstGeom>
         </p:spPr>
       </p:pic>
+      <p:sp>
+        <p:nvSpPr>
+          <p:cNvPr id="2" name="TextBox 1">
+            <a:extLst>
+              <a:ext uri="{FF2B5EF4-FFF2-40B4-BE49-F238E27FC236}">
+                <a16:creationId xmlns:a16="http://schemas.microsoft.com/office/drawing/2014/main" id="{1D73B96D-9787-765D-405D-B78667DD26C5}"/>
+              </a:ext>
+            </a:extLst>
+          </p:cNvPr>
+          <p:cNvSpPr txBox="1"/>
+          <p:nvPr/>
+        </p:nvSpPr>
+        <p:spPr>
+          <a:xfrm>
+            <a:off x="435610" y="5724525"/>
+            <a:ext cx="3100070" cy="523220"/>
+          </a:xfrm>
+          <a:prstGeom prst="rect">
+            <a:avLst/>
+          </a:prstGeom>
+          <a:noFill/>
+        </p:spPr>
+        <p:txBody>
+          <a:bodyPr wrap="square" rtlCol="0">
+            <a:spAutoFit/>
+          </a:bodyPr>
+          <a:lstStyle/>
+          <a:p>
+            <a:r>
+              <a:rPr lang="it-IT" b="1" u="sng" dirty="0">
+                <a:solidFill>
+                  <a:schemeClr val="bg1"/>
+                </a:solidFill>
+              </a:rPr>
+              <a:t>Chip Used:</a:t>
+            </a:r>
+            <a:r>
+              <a:rPr lang="it-IT" b="1" dirty="0">
+                <a:solidFill>
+                  <a:schemeClr val="bg1"/>
+                </a:solidFill>
+              </a:rPr>
+              <a:t> </a:t>
+            </a:r>
+            <a:r>
+              <a:rPr lang="it-IT" dirty="0">
+                <a:solidFill>
+                  <a:schemeClr val="bg1"/>
+                </a:solidFill>
+              </a:rPr>
+              <a:t>0.068 Fraud Ratio</a:t>
+            </a:r>
+            <a:br>
+              <a:rPr lang="it-IT" dirty="0">
+                <a:solidFill>
+                  <a:schemeClr val="bg1"/>
+                </a:solidFill>
+              </a:rPr>
+            </a:br>
+            <a:r>
+              <a:rPr lang="it-IT" b="1" u="sng" dirty="0">
+                <a:solidFill>
+                  <a:schemeClr val="bg1"/>
+                </a:solidFill>
+              </a:rPr>
+              <a:t>Chip Not Used:</a:t>
+            </a:r>
+            <a:r>
+              <a:rPr lang="it-IT" b="1" dirty="0">
+                <a:solidFill>
+                  <a:schemeClr val="bg1"/>
+                </a:solidFill>
+              </a:rPr>
+              <a:t> </a:t>
+            </a:r>
+            <a:r>
+              <a:rPr lang="it-IT" dirty="0">
+                <a:solidFill>
+                  <a:schemeClr val="bg1"/>
+                </a:solidFill>
+              </a:rPr>
+              <a:t>0.111 Fraud Ratio</a:t>
+            </a:r>
+            <a:endParaRPr lang="en-CA" dirty="0">
+              <a:solidFill>
+                <a:schemeClr val="bg1"/>
+              </a:solidFill>
+            </a:endParaRPr>
+          </a:p>
+        </p:txBody>
+      </p:sp>
     </p:spTree>
     <p:extLst>
       <p:ext uri="{BB962C8B-B14F-4D97-AF65-F5344CB8AC3E}">
@@ -17581,7 +17763,7 @@
         <p:spPr>
           <a:xfrm>
             <a:off x="876300" y="2079426"/>
-            <a:ext cx="4781550" cy="609600"/>
+            <a:ext cx="4781550" cy="738664"/>
           </a:xfrm>
           <a:prstGeom prst="rect">
             <a:avLst/>
@@ -17610,7 +17792,7 @@
               <a:buNone/>
             </a:pPr>
             <a:r>
-              <a:rPr lang="en-US" sz="1500" b="0" i="0" u="none" strike="noStrike" cap="none">
+              <a:rPr lang="en-US" sz="1500" b="0" i="0" u="none" strike="noStrike" cap="none" dirty="0">
                 <a:solidFill>
                   <a:srgbClr val="CCCCCC"/>
                 </a:solidFill>
@@ -17619,9 +17801,33 @@
                 <a:cs typeface="Urbanist"/>
                 <a:sym typeface="Urbanist"/>
               </a:rPr>
-              <a:t>A baseline linear model. Good for interpretability but assumes linear decision boundaries.</a:t>
+              <a:t>A baseline linear model. </a:t>
             </a:r>
-            <a:endParaRPr/>
+            <a:r>
+              <a:rPr lang="en-US" sz="1500" dirty="0">
+                <a:solidFill>
+                  <a:srgbClr val="CCCCCC"/>
+                </a:solidFill>
+                <a:latin typeface="Urbanist"/>
+                <a:ea typeface="Urbanist"/>
+                <a:cs typeface="Urbanist"/>
+                <a:sym typeface="Urbanist"/>
+              </a:rPr>
+              <a:t>It is g</a:t>
+            </a:r>
+            <a:r>
+              <a:rPr lang="en-US" sz="1500" b="0" i="0" u="none" strike="noStrike" cap="none" dirty="0">
+                <a:solidFill>
+                  <a:srgbClr val="CCCCCC"/>
+                </a:solidFill>
+                <a:latin typeface="Urbanist"/>
+                <a:ea typeface="Urbanist"/>
+                <a:cs typeface="Urbanist"/>
+                <a:sym typeface="Urbanist"/>
+              </a:rPr>
+              <a:t>ood for interpretability but it assumes linear decision boundaries.</a:t>
+            </a:r>
+            <a:endParaRPr dirty="0"/>
           </a:p>
         </p:txBody>
       </p:sp>
@@ -17684,7 +17890,7 @@
         <p:spPr>
           <a:xfrm>
             <a:off x="6534150" y="2379301"/>
-            <a:ext cx="4781700" cy="969600"/>
+            <a:ext cx="4781700" cy="1107996"/>
           </a:xfrm>
           <a:prstGeom prst="rect">
             <a:avLst/>
@@ -17713,7 +17919,7 @@
               <a:buNone/>
             </a:pPr>
             <a:r>
-              <a:rPr lang="en-US" sz="1500" b="0" i="0" u="none" strike="noStrike" cap="none">
+              <a:rPr lang="en-US" sz="1500" dirty="0">
                 <a:solidFill>
                   <a:srgbClr val="CCCCCC"/>
                 </a:solidFill>
@@ -17722,9 +17928,21 @@
                 <a:cs typeface="Urbanist"/>
                 <a:sym typeface="Urbanist"/>
               </a:rPr>
-              <a:t>Attempts to find the optimal hyperplane separating fraud from non-fraud. Used with a linear kernel and balanced class weights.</a:t>
+              <a:t>SVC a</a:t>
             </a:r>
-            <a:endParaRPr/>
+            <a:r>
+              <a:rPr lang="en-US" sz="1500" b="0" i="0" u="none" strike="noStrike" cap="none" dirty="0">
+                <a:solidFill>
+                  <a:srgbClr val="CCCCCC"/>
+                </a:solidFill>
+                <a:latin typeface="Urbanist"/>
+                <a:ea typeface="Urbanist"/>
+                <a:cs typeface="Urbanist"/>
+                <a:sym typeface="Urbanist"/>
+              </a:rPr>
+              <a:t>ttempts to find the optimal hyperplane separating fraud from non-fraud. Used with a linear kernel and balanced class weights.</a:t>
+            </a:r>
+            <a:endParaRPr dirty="0"/>
           </a:p>
         </p:txBody>
       </p:sp>
@@ -17890,7 +18108,7 @@
         <p:spPr>
           <a:xfrm>
             <a:off x="6534100" y="5309848"/>
-            <a:ext cx="4781700" cy="969600"/>
+            <a:ext cx="4781700" cy="1107996"/>
           </a:xfrm>
           <a:prstGeom prst="rect">
             <a:avLst/>
@@ -17919,7 +18137,7 @@
               <a:buNone/>
             </a:pPr>
             <a:r>
-              <a:rPr lang="en-US" sz="1500" b="0" i="0" u="none" strike="noStrike" cap="none">
+              <a:rPr lang="en-US" sz="1500" b="0" i="0" u="none" strike="noStrike" cap="none" dirty="0">
                 <a:solidFill>
                   <a:srgbClr val="CCCCCC"/>
                 </a:solidFill>
@@ -17928,9 +18146,33 @@
                 <a:cs typeface="Urbanist"/>
                 <a:sym typeface="Urbanist"/>
               </a:rPr>
-              <a:t>An ensemble of Decision Trees. Reduces variance and typically provides the highest accuracy for this type of tabular data.</a:t>
+              <a:t>A </a:t>
             </a:r>
-            <a:endParaRPr/>
+            <a:r>
+              <a:rPr lang="en-US" sz="1500" dirty="0">
+                <a:solidFill>
+                  <a:srgbClr val="CCCCCC"/>
+                </a:solidFill>
+                <a:latin typeface="Urbanist"/>
+                <a:ea typeface="Urbanist"/>
+                <a:cs typeface="Urbanist"/>
+                <a:sym typeface="Urbanist"/>
+              </a:rPr>
+              <a:t>formation</a:t>
+            </a:r>
+            <a:r>
+              <a:rPr lang="en-US" sz="1500" b="0" i="0" u="none" strike="noStrike" cap="none" dirty="0">
+                <a:solidFill>
+                  <a:srgbClr val="CCCCCC"/>
+                </a:solidFill>
+                <a:latin typeface="Urbanist"/>
+                <a:ea typeface="Urbanist"/>
+                <a:cs typeface="Urbanist"/>
+                <a:sym typeface="Urbanist"/>
+              </a:rPr>
+              <a:t> of Decision Trees. Reduces variance and typically provides the highest accuracy for our type of tabular data.</a:t>
+            </a:r>
+            <a:endParaRPr dirty="0"/>
           </a:p>
         </p:txBody>
       </p:sp>
